--- a/Slides/On-Campus/09_01_1and0AddUp.pptx
+++ b/Slides/On-Campus/09_01_1and0AddUp.pptx
@@ -5,18 +5,21 @@
     <p:sldMasterId id="2147483648" r:id="rId1"/>
   </p:sldMasterIdLst>
   <p:notesMasterIdLst>
-    <p:notesMasterId r:id="rId8"/>
+    <p:notesMasterId r:id="rId11"/>
   </p:notesMasterIdLst>
   <p:handoutMasterIdLst>
-    <p:handoutMasterId r:id="rId9"/>
+    <p:handoutMasterId r:id="rId12"/>
   </p:handoutMasterIdLst>
   <p:sldIdLst>
     <p:sldId id="256" r:id="rId2"/>
-    <p:sldId id="259" r:id="rId3"/>
-    <p:sldId id="260" r:id="rId4"/>
-    <p:sldId id="261" r:id="rId5"/>
-    <p:sldId id="262" r:id="rId6"/>
-    <p:sldId id="263" r:id="rId7"/>
+    <p:sldId id="257" r:id="rId3"/>
+    <p:sldId id="258" r:id="rId4"/>
+    <p:sldId id="264" r:id="rId5"/>
+    <p:sldId id="265" r:id="rId6"/>
+    <p:sldId id="259" r:id="rId7"/>
+    <p:sldId id="260" r:id="rId8"/>
+    <p:sldId id="261" r:id="rId9"/>
+    <p:sldId id="262" r:id="rId10"/>
   </p:sldIdLst>
   <p:sldSz cx="13817600" cy="7772400"/>
   <p:notesSz cx="6858000" cy="9144000"/>
@@ -219,7 +222,7 @@
           <a:p>
             <a:fld id="{4D7E51A5-B478-1E40-8CBB-0DAA8831E99D}" type="datetimeFigureOut">
               <a:rPr lang="en-US" smtClean="0"/>
-              <a:t>7/15/21</a:t>
+              <a:t>10/13/2021</a:t>
             </a:fld>
             <a:endParaRPr lang="en-US"/>
           </a:p>
@@ -384,7 +387,7 @@
           <a:p>
             <a:fld id="{D0ED587F-861E-6740-9643-E3DDAE89B8D6}" type="datetimeFigureOut">
               <a:rPr lang="en-US" smtClean="0"/>
-              <a:t>7/15/21</a:t>
+              <a:t>10/13/2021</a:t>
             </a:fld>
             <a:endParaRPr lang="en-US"/>
           </a:p>
@@ -656,6 +659,318 @@
   <p:cSld>
     <p:spTree>
       <p:nvGrpSpPr>
+        <p:cNvPr id="1" name="Shape 188"/>
+        <p:cNvGrpSpPr/>
+        <p:nvPr/>
+      </p:nvGrpSpPr>
+      <p:grpSpPr>
+        <a:xfrm>
+          <a:off x="0" y="0"/>
+          <a:ext cx="0" cy="0"/>
+          <a:chOff x="0" y="0"/>
+          <a:chExt cx="0" cy="0"/>
+        </a:xfrm>
+      </p:grpSpPr>
+      <p:sp>
+        <p:nvSpPr>
+          <p:cNvPr id="189" name="Google Shape;189;g7ea0fe0185_0_0:notes"/>
+          <p:cNvSpPr>
+            <a:spLocks noGrp="1" noRot="1" noChangeAspect="1"/>
+          </p:cNvSpPr>
+          <p:nvPr>
+            <p:ph type="sldImg" idx="2"/>
+          </p:nvPr>
+        </p:nvSpPr>
+        <p:spPr>
+          <a:xfrm>
+            <a:off x="381000" y="685800"/>
+            <a:ext cx="6096000" cy="3429000"/>
+          </a:xfrm>
+          <a:custGeom>
+            <a:avLst/>
+            <a:gdLst/>
+            <a:ahLst/>
+            <a:cxnLst/>
+            <a:rect l="l" t="t" r="r" b="b"/>
+            <a:pathLst>
+              <a:path w="120000" h="120000" extrusionOk="0">
+                <a:moveTo>
+                  <a:pt x="0" y="0"/>
+                </a:moveTo>
+                <a:lnTo>
+                  <a:pt x="120000" y="0"/>
+                </a:lnTo>
+                <a:lnTo>
+                  <a:pt x="120000" y="120000"/>
+                </a:lnTo>
+                <a:lnTo>
+                  <a:pt x="0" y="120000"/>
+                </a:lnTo>
+                <a:close/>
+              </a:path>
+            </a:pathLst>
+          </a:custGeom>
+        </p:spPr>
+      </p:sp>
+      <p:sp>
+        <p:nvSpPr>
+          <p:cNvPr id="190" name="Google Shape;190;g7ea0fe0185_0_0:notes"/>
+          <p:cNvSpPr txBox="1">
+            <a:spLocks noGrp="1"/>
+          </p:cNvSpPr>
+          <p:nvPr>
+            <p:ph type="body" idx="1"/>
+          </p:nvPr>
+        </p:nvSpPr>
+        <p:spPr>
+          <a:xfrm>
+            <a:off x="685800" y="4343400"/>
+            <a:ext cx="5486400" cy="4114800"/>
+          </a:xfrm>
+          <a:prstGeom prst="rect">
+            <a:avLst/>
+          </a:prstGeom>
+        </p:spPr>
+        <p:txBody>
+          <a:bodyPr spcFirstLastPara="1" wrap="square" lIns="91425" tIns="91425" rIns="91425" bIns="91425" anchor="t" anchorCtr="0">
+            <a:noAutofit/>
+          </a:bodyPr>
+          <a:lstStyle/>
+          <a:p>
+            <a:pPr marL="0" lvl="0" indent="0" algn="l" rtl="0">
+              <a:spcBef>
+                <a:spcPts val="0"/>
+              </a:spcBef>
+              <a:spcAft>
+                <a:spcPts val="0"/>
+              </a:spcAft>
+              <a:buNone/>
+            </a:pPr>
+            <a:endParaRPr/>
+          </a:p>
+        </p:txBody>
+      </p:sp>
+    </p:spTree>
+  </p:cSld>
+  <p:clrMapOvr>
+    <a:masterClrMapping/>
+  </p:clrMapOvr>
+</p:notes>
+</file>
+
+<file path=ppt/notesSlides/notesSlide2.xml><?xml version="1.0" encoding="utf-8"?>
+<p:notes xmlns:a="http://schemas.openxmlformats.org/drawingml/2006/main" xmlns:r="http://schemas.openxmlformats.org/officeDocument/2006/relationships" xmlns:p="http://schemas.openxmlformats.org/presentationml/2006/main" showMasterSp="0" showMasterPhAnim="0">
+  <p:cSld>
+    <p:spTree>
+      <p:nvGrpSpPr>
+        <p:cNvPr id="1" name="Shape 197"/>
+        <p:cNvGrpSpPr/>
+        <p:nvPr/>
+      </p:nvGrpSpPr>
+      <p:grpSpPr>
+        <a:xfrm>
+          <a:off x="0" y="0"/>
+          <a:ext cx="0" cy="0"/>
+          <a:chOff x="0" y="0"/>
+          <a:chExt cx="0" cy="0"/>
+        </a:xfrm>
+      </p:grpSpPr>
+      <p:sp>
+        <p:nvSpPr>
+          <p:cNvPr id="198" name="Google Shape;198;g7ea0fe0185_0_8:notes"/>
+          <p:cNvSpPr>
+            <a:spLocks noGrp="1" noRot="1" noChangeAspect="1"/>
+          </p:cNvSpPr>
+          <p:nvPr>
+            <p:ph type="sldImg" idx="2"/>
+          </p:nvPr>
+        </p:nvSpPr>
+        <p:spPr>
+          <a:xfrm>
+            <a:off x="381000" y="685800"/>
+            <a:ext cx="6096000" cy="3429000"/>
+          </a:xfrm>
+          <a:custGeom>
+            <a:avLst/>
+            <a:gdLst/>
+            <a:ahLst/>
+            <a:cxnLst/>
+            <a:rect l="l" t="t" r="r" b="b"/>
+            <a:pathLst>
+              <a:path w="120000" h="120000" extrusionOk="0">
+                <a:moveTo>
+                  <a:pt x="0" y="0"/>
+                </a:moveTo>
+                <a:lnTo>
+                  <a:pt x="120000" y="0"/>
+                </a:lnTo>
+                <a:lnTo>
+                  <a:pt x="120000" y="120000"/>
+                </a:lnTo>
+                <a:lnTo>
+                  <a:pt x="0" y="120000"/>
+                </a:lnTo>
+                <a:close/>
+              </a:path>
+            </a:pathLst>
+          </a:custGeom>
+        </p:spPr>
+      </p:sp>
+      <p:sp>
+        <p:nvSpPr>
+          <p:cNvPr id="199" name="Google Shape;199;g7ea0fe0185_0_8:notes"/>
+          <p:cNvSpPr txBox="1">
+            <a:spLocks noGrp="1"/>
+          </p:cNvSpPr>
+          <p:nvPr>
+            <p:ph type="body" idx="1"/>
+          </p:nvPr>
+        </p:nvSpPr>
+        <p:spPr>
+          <a:xfrm>
+            <a:off x="685800" y="4343400"/>
+            <a:ext cx="5486400" cy="4114800"/>
+          </a:xfrm>
+          <a:prstGeom prst="rect">
+            <a:avLst/>
+          </a:prstGeom>
+        </p:spPr>
+        <p:txBody>
+          <a:bodyPr spcFirstLastPara="1" wrap="square" lIns="91425" tIns="91425" rIns="91425" bIns="91425" anchor="t" anchorCtr="0">
+            <a:noAutofit/>
+          </a:bodyPr>
+          <a:lstStyle/>
+          <a:p>
+            <a:pPr marL="0" lvl="0" indent="0" algn="l" rtl="0">
+              <a:spcBef>
+                <a:spcPts val="0"/>
+              </a:spcBef>
+              <a:spcAft>
+                <a:spcPts val="0"/>
+              </a:spcAft>
+              <a:buNone/>
+            </a:pPr>
+            <a:endParaRPr/>
+          </a:p>
+        </p:txBody>
+      </p:sp>
+    </p:spTree>
+  </p:cSld>
+  <p:clrMapOvr>
+    <a:masterClrMapping/>
+  </p:clrMapOvr>
+</p:notes>
+</file>
+
+<file path=ppt/notesSlides/notesSlide3.xml><?xml version="1.0" encoding="utf-8"?>
+<p:notes xmlns:a="http://schemas.openxmlformats.org/drawingml/2006/main" xmlns:r="http://schemas.openxmlformats.org/officeDocument/2006/relationships" xmlns:p="http://schemas.openxmlformats.org/presentationml/2006/main" showMasterSp="0" showMasterPhAnim="0">
+  <p:cSld>
+    <p:spTree>
+      <p:nvGrpSpPr>
+        <p:cNvPr id="1" name="Shape 203"/>
+        <p:cNvGrpSpPr/>
+        <p:nvPr/>
+      </p:nvGrpSpPr>
+      <p:grpSpPr>
+        <a:xfrm>
+          <a:off x="0" y="0"/>
+          <a:ext cx="0" cy="0"/>
+          <a:chOff x="0" y="0"/>
+          <a:chExt cx="0" cy="0"/>
+        </a:xfrm>
+      </p:grpSpPr>
+      <p:sp>
+        <p:nvSpPr>
+          <p:cNvPr id="204" name="Google Shape;204;g7ea0fe0185_0_13:notes"/>
+          <p:cNvSpPr>
+            <a:spLocks noGrp="1" noRot="1" noChangeAspect="1"/>
+          </p:cNvSpPr>
+          <p:nvPr>
+            <p:ph type="sldImg" idx="2"/>
+          </p:nvPr>
+        </p:nvSpPr>
+        <p:spPr>
+          <a:xfrm>
+            <a:off x="381000" y="685800"/>
+            <a:ext cx="6096000" cy="3429000"/>
+          </a:xfrm>
+          <a:custGeom>
+            <a:avLst/>
+            <a:gdLst/>
+            <a:ahLst/>
+            <a:cxnLst/>
+            <a:rect l="l" t="t" r="r" b="b"/>
+            <a:pathLst>
+              <a:path w="120000" h="120000" extrusionOk="0">
+                <a:moveTo>
+                  <a:pt x="0" y="0"/>
+                </a:moveTo>
+                <a:lnTo>
+                  <a:pt x="120000" y="0"/>
+                </a:lnTo>
+                <a:lnTo>
+                  <a:pt x="120000" y="120000"/>
+                </a:lnTo>
+                <a:lnTo>
+                  <a:pt x="0" y="120000"/>
+                </a:lnTo>
+                <a:close/>
+              </a:path>
+            </a:pathLst>
+          </a:custGeom>
+        </p:spPr>
+      </p:sp>
+      <p:sp>
+        <p:nvSpPr>
+          <p:cNvPr id="205" name="Google Shape;205;g7ea0fe0185_0_13:notes"/>
+          <p:cNvSpPr txBox="1">
+            <a:spLocks noGrp="1"/>
+          </p:cNvSpPr>
+          <p:nvPr>
+            <p:ph type="body" idx="1"/>
+          </p:nvPr>
+        </p:nvSpPr>
+        <p:spPr>
+          <a:xfrm>
+            <a:off x="685800" y="4343400"/>
+            <a:ext cx="5486400" cy="4114800"/>
+          </a:xfrm>
+          <a:prstGeom prst="rect">
+            <a:avLst/>
+          </a:prstGeom>
+        </p:spPr>
+        <p:txBody>
+          <a:bodyPr spcFirstLastPara="1" wrap="square" lIns="91425" tIns="91425" rIns="91425" bIns="91425" anchor="t" anchorCtr="0">
+            <a:noAutofit/>
+          </a:bodyPr>
+          <a:lstStyle/>
+          <a:p>
+            <a:pPr marL="0" lvl="0" indent="0" algn="l" rtl="0">
+              <a:spcBef>
+                <a:spcPts val="0"/>
+              </a:spcBef>
+              <a:spcAft>
+                <a:spcPts val="0"/>
+              </a:spcAft>
+              <a:buNone/>
+            </a:pPr>
+            <a:endParaRPr/>
+          </a:p>
+        </p:txBody>
+      </p:sp>
+    </p:spTree>
+  </p:cSld>
+  <p:clrMapOvr>
+    <a:masterClrMapping/>
+  </p:clrMapOvr>
+</p:notes>
+</file>
+
+<file path=ppt/notesSlides/notesSlide4.xml><?xml version="1.0" encoding="utf-8"?>
+<p:notes xmlns:a="http://schemas.openxmlformats.org/drawingml/2006/main" xmlns:r="http://schemas.openxmlformats.org/officeDocument/2006/relationships" xmlns:p="http://schemas.openxmlformats.org/presentationml/2006/main" showMasterSp="0" showMasterPhAnim="0">
+  <p:cSld>
+    <p:spTree>
+      <p:nvGrpSpPr>
         <p:cNvPr id="1" name="Shape 194"/>
         <p:cNvGrpSpPr/>
         <p:nvPr/>
@@ -755,7 +1070,7 @@
 </p:notes>
 </file>
 
-<file path=ppt/notesSlides/notesSlide2.xml><?xml version="1.0" encoding="utf-8"?>
+<file path=ppt/notesSlides/notesSlide5.xml><?xml version="1.0" encoding="utf-8"?>
 <p:notes xmlns:a="http://schemas.openxmlformats.org/drawingml/2006/main" xmlns:r="http://schemas.openxmlformats.org/officeDocument/2006/relationships" xmlns:p="http://schemas.openxmlformats.org/presentationml/2006/main" showMasterSp="0" showMasterPhAnim="0">
   <p:cSld>
     <p:spTree>
@@ -7518,6 +7833,1755 @@
   <p:cSld>
     <p:spTree>
       <p:nvGrpSpPr>
+        <p:cNvPr id="1" name="Shape 191"/>
+        <p:cNvGrpSpPr/>
+        <p:nvPr/>
+      </p:nvGrpSpPr>
+      <p:grpSpPr>
+        <a:xfrm>
+          <a:off x="0" y="0"/>
+          <a:ext cx="0" cy="0"/>
+          <a:chOff x="0" y="0"/>
+          <a:chExt cx="0" cy="0"/>
+        </a:xfrm>
+      </p:grpSpPr>
+      <p:sp>
+        <p:nvSpPr>
+          <p:cNvPr id="192" name="Google Shape;192;p40"/>
+          <p:cNvSpPr txBox="1">
+            <a:spLocks noGrp="1"/>
+          </p:cNvSpPr>
+          <p:nvPr>
+            <p:ph type="title"/>
+          </p:nvPr>
+        </p:nvSpPr>
+        <p:spPr>
+          <a:xfrm>
+            <a:off x="628075" y="751389"/>
+            <a:ext cx="12561413" cy="1015467"/>
+          </a:xfrm>
+          <a:prstGeom prst="rect">
+            <a:avLst/>
+          </a:prstGeom>
+        </p:spPr>
+        <p:txBody>
+          <a:bodyPr spcFirstLastPara="1" vert="horz" wrap="square" lIns="91422" tIns="91422" rIns="91422" bIns="91422" rtlCol="0" anchor="b" anchorCtr="0">
+            <a:noAutofit/>
+          </a:bodyPr>
+          <a:lstStyle/>
+          <a:p>
+            <a:r>
+              <a:rPr lang="en" dirty="0"/>
+              <a:t>Understanding Networks of Computers</a:t>
+            </a:r>
+            <a:endParaRPr dirty="0"/>
+          </a:p>
+        </p:txBody>
+      </p:sp>
+      <p:sp>
+        <p:nvSpPr>
+          <p:cNvPr id="193" name="Google Shape;193;p40"/>
+          <p:cNvSpPr txBox="1">
+            <a:spLocks noGrp="1"/>
+          </p:cNvSpPr>
+          <p:nvPr>
+            <p:ph type="body" idx="1"/>
+          </p:nvPr>
+        </p:nvSpPr>
+        <p:spPr>
+          <a:xfrm>
+            <a:off x="628094" y="2487902"/>
+            <a:ext cx="12561413" cy="3853787"/>
+          </a:xfrm>
+          <a:prstGeom prst="rect">
+            <a:avLst/>
+          </a:prstGeom>
+        </p:spPr>
+        <p:txBody>
+          <a:bodyPr spcFirstLastPara="1" vert="horz" wrap="square" lIns="91422" tIns="91422" rIns="91422" bIns="91422" rtlCol="0" anchor="t" anchorCtr="0">
+            <a:noAutofit/>
+          </a:bodyPr>
+          <a:lstStyle/>
+          <a:p>
+            <a:r>
+              <a:rPr lang="en" dirty="0"/>
+              <a:t>Circularly  (Ring) Connected</a:t>
+            </a:r>
+            <a:endParaRPr dirty="0"/>
+          </a:p>
+          <a:p>
+            <a:pPr lvl="1">
+              <a:spcBef>
+                <a:spcPts val="0"/>
+              </a:spcBef>
+            </a:pPr>
+            <a:r>
+              <a:rPr lang="en" dirty="0"/>
+              <a:t>Faults? </a:t>
+            </a:r>
+            <a:endParaRPr dirty="0"/>
+          </a:p>
+          <a:p>
+            <a:pPr>
+              <a:spcBef>
+                <a:spcPts val="0"/>
+              </a:spcBef>
+            </a:pPr>
+            <a:r>
+              <a:rPr lang="en" dirty="0"/>
+              <a:t>Centralized Hub</a:t>
+            </a:r>
+            <a:endParaRPr dirty="0"/>
+          </a:p>
+          <a:p>
+            <a:pPr lvl="1">
+              <a:spcBef>
+                <a:spcPts val="0"/>
+              </a:spcBef>
+            </a:pPr>
+            <a:r>
+              <a:rPr lang="en" dirty="0"/>
+              <a:t>Faults?</a:t>
+            </a:r>
+            <a:endParaRPr dirty="0"/>
+          </a:p>
+          <a:p>
+            <a:pPr lvl="1">
+              <a:spcBef>
+                <a:spcPts val="0"/>
+              </a:spcBef>
+            </a:pPr>
+            <a:r>
+              <a:rPr lang="en" dirty="0"/>
+              <a:t>Strengths?</a:t>
+            </a:r>
+            <a:endParaRPr dirty="0"/>
+          </a:p>
+          <a:p>
+            <a:pPr lvl="1">
+              <a:spcBef>
+                <a:spcPts val="0"/>
+              </a:spcBef>
+            </a:pPr>
+            <a:r>
+              <a:rPr lang="en" dirty="0"/>
+              <a:t>Where is it used?</a:t>
+            </a:r>
+            <a:endParaRPr dirty="0"/>
+          </a:p>
+          <a:p>
+            <a:pPr>
+              <a:spcBef>
+                <a:spcPts val="0"/>
+              </a:spcBef>
+            </a:pPr>
+            <a:r>
+              <a:rPr lang="en" dirty="0"/>
+              <a:t>Distributed Mesh</a:t>
+            </a:r>
+            <a:endParaRPr dirty="0"/>
+          </a:p>
+          <a:p>
+            <a:pPr lvl="1">
+              <a:spcBef>
+                <a:spcPts val="0"/>
+              </a:spcBef>
+            </a:pPr>
+            <a:r>
+              <a:rPr lang="en" dirty="0"/>
+              <a:t>Faults?</a:t>
+            </a:r>
+            <a:endParaRPr dirty="0"/>
+          </a:p>
+          <a:p>
+            <a:pPr lvl="1">
+              <a:spcBef>
+                <a:spcPts val="0"/>
+              </a:spcBef>
+            </a:pPr>
+            <a:r>
+              <a:rPr lang="en" dirty="0"/>
+              <a:t>Strengths?</a:t>
+            </a:r>
+            <a:endParaRPr dirty="0"/>
+          </a:p>
+          <a:p>
+            <a:pPr lvl="1">
+              <a:spcBef>
+                <a:spcPts val="0"/>
+              </a:spcBef>
+            </a:pPr>
+            <a:r>
+              <a:rPr lang="en" dirty="0"/>
+              <a:t>Where is it used?</a:t>
+            </a:r>
+            <a:endParaRPr dirty="0"/>
+          </a:p>
+        </p:txBody>
+      </p:sp>
+      <p:pic>
+        <p:nvPicPr>
+          <p:cNvPr id="194" name="Google Shape;194;p40">
+            <a:extLst>
+              <a:ext uri="{C183D7F6-B498-43B3-948B-1728B52AA6E4}">
+                <adec:decorative xmlns:adec="http://schemas.microsoft.com/office/drawing/2017/decorative" val="1"/>
+              </a:ext>
+            </a:extLst>
+          </p:cNvPr>
+          <p:cNvPicPr preferRelativeResize="0"/>
+          <p:nvPr/>
+        </p:nvPicPr>
+        <p:blipFill>
+          <a:blip r:embed="rId3">
+            <a:alphaModFix/>
+          </a:blip>
+          <a:stretch>
+            <a:fillRect/>
+          </a:stretch>
+        </p:blipFill>
+        <p:spPr>
+          <a:xfrm>
+            <a:off x="5961107" y="2487894"/>
+            <a:ext cx="3510615" cy="3600524"/>
+          </a:xfrm>
+          <a:prstGeom prst="rect">
+            <a:avLst/>
+          </a:prstGeom>
+          <a:noFill/>
+          <a:ln>
+            <a:noFill/>
+          </a:ln>
+        </p:spPr>
+      </p:pic>
+      <p:pic>
+        <p:nvPicPr>
+          <p:cNvPr id="195" name="Google Shape;195;p40">
+            <a:extLst>
+              <a:ext uri="{C183D7F6-B498-43B3-948B-1728B52AA6E4}">
+                <adec:decorative xmlns:adec="http://schemas.microsoft.com/office/drawing/2017/decorative" val="1"/>
+              </a:ext>
+            </a:extLst>
+          </p:cNvPr>
+          <p:cNvPicPr preferRelativeResize="0"/>
+          <p:nvPr/>
+        </p:nvPicPr>
+        <p:blipFill rotWithShape="1">
+          <a:blip r:embed="rId4">
+            <a:alphaModFix/>
+          </a:blip>
+          <a:srcRect t="-3510" b="3509"/>
+          <a:stretch/>
+        </p:blipFill>
+        <p:spPr>
+          <a:xfrm>
+            <a:off x="6087247" y="2487893"/>
+            <a:ext cx="3258318" cy="3281680"/>
+          </a:xfrm>
+          <a:prstGeom prst="rect">
+            <a:avLst/>
+          </a:prstGeom>
+          <a:noFill/>
+          <a:ln>
+            <a:noFill/>
+          </a:ln>
+        </p:spPr>
+      </p:pic>
+      <p:pic>
+        <p:nvPicPr>
+          <p:cNvPr id="196" name="Google Shape;196;p40" descr="Mesh Network Topology"/>
+          <p:cNvPicPr preferRelativeResize="0"/>
+          <p:nvPr/>
+        </p:nvPicPr>
+        <p:blipFill>
+          <a:blip r:embed="rId5">
+            <a:alphaModFix/>
+          </a:blip>
+          <a:stretch>
+            <a:fillRect/>
+          </a:stretch>
+        </p:blipFill>
+        <p:spPr>
+          <a:xfrm>
+            <a:off x="5961111" y="2234631"/>
+            <a:ext cx="3368493" cy="4107049"/>
+          </a:xfrm>
+          <a:prstGeom prst="rect">
+            <a:avLst/>
+          </a:prstGeom>
+          <a:noFill/>
+          <a:ln>
+            <a:noFill/>
+          </a:ln>
+        </p:spPr>
+      </p:pic>
+    </p:spTree>
+  </p:cSld>
+  <p:clrMapOvr>
+    <a:masterClrMapping/>
+  </p:clrMapOvr>
+  <p:timing>
+    <p:tnLst>
+      <p:par>
+        <p:cTn id="1" dur="indefinite" restart="never" nodeType="tmRoot">
+          <p:childTnLst>
+            <p:seq concurrent="1" nextAc="seek">
+              <p:cTn id="2" dur="indefinite" nodeType="mainSeq">
+                <p:childTnLst>
+                  <p:par>
+                    <p:cTn id="3" fill="hold">
+                      <p:stCondLst>
+                        <p:cond delay="indefinite"/>
+                      </p:stCondLst>
+                      <p:childTnLst>
+                        <p:par>
+                          <p:cTn id="4" fill="hold">
+                            <p:stCondLst>
+                              <p:cond delay="0"/>
+                            </p:stCondLst>
+                            <p:childTnLst>
+                              <p:par>
+                                <p:cTn id="5" presetID="10" presetClass="entr" presetSubtype="0" fill="hold" nodeType="clickEffect">
+                                  <p:stCondLst>
+                                    <p:cond delay="0"/>
+                                  </p:stCondLst>
+                                  <p:childTnLst>
+                                    <p:set>
+                                      <p:cBhvr>
+                                        <p:cTn id="6" dur="1" fill="hold">
+                                          <p:stCondLst>
+                                            <p:cond delay="0"/>
+                                          </p:stCondLst>
+                                        </p:cTn>
+                                        <p:tgtEl>
+                                          <p:spTgt spid="194"/>
+                                        </p:tgtEl>
+                                        <p:attrNameLst>
+                                          <p:attrName>style.visibility</p:attrName>
+                                        </p:attrNameLst>
+                                      </p:cBhvr>
+                                      <p:to>
+                                        <p:strVal val="visible"/>
+                                      </p:to>
+                                    </p:set>
+                                    <p:animEffect transition="in" filter="fade">
+                                      <p:cBhvr>
+                                        <p:cTn id="7" dur="1000"/>
+                                        <p:tgtEl>
+                                          <p:spTgt spid="194"/>
+                                        </p:tgtEl>
+                                      </p:cBhvr>
+                                    </p:animEffect>
+                                  </p:childTnLst>
+                                </p:cTn>
+                              </p:par>
+                            </p:childTnLst>
+                          </p:cTn>
+                        </p:par>
+                      </p:childTnLst>
+                    </p:cTn>
+                  </p:par>
+                  <p:par>
+                    <p:cTn id="8" fill="hold">
+                      <p:stCondLst>
+                        <p:cond delay="indefinite"/>
+                      </p:stCondLst>
+                      <p:childTnLst>
+                        <p:par>
+                          <p:cTn id="9" fill="hold">
+                            <p:stCondLst>
+                              <p:cond delay="0"/>
+                            </p:stCondLst>
+                            <p:childTnLst>
+                              <p:par>
+                                <p:cTn id="10" presetID="10" presetClass="exit" presetSubtype="0" fill="hold" nodeType="clickEffect">
+                                  <p:stCondLst>
+                                    <p:cond delay="0"/>
+                                  </p:stCondLst>
+                                  <p:childTnLst>
+                                    <p:animEffect transition="out" filter="fade">
+                                      <p:cBhvr>
+                                        <p:cTn id="11" dur="1000"/>
+                                        <p:tgtEl>
+                                          <p:spTgt spid="194"/>
+                                        </p:tgtEl>
+                                      </p:cBhvr>
+                                    </p:animEffect>
+                                    <p:set>
+                                      <p:cBhvr>
+                                        <p:cTn id="12" dur="1" fill="hold">
+                                          <p:stCondLst>
+                                            <p:cond delay="1000"/>
+                                          </p:stCondLst>
+                                        </p:cTn>
+                                        <p:tgtEl>
+                                          <p:spTgt spid="194"/>
+                                        </p:tgtEl>
+                                        <p:attrNameLst>
+                                          <p:attrName>style.visibility</p:attrName>
+                                        </p:attrNameLst>
+                                      </p:cBhvr>
+                                      <p:to>
+                                        <p:strVal val="hidden"/>
+                                      </p:to>
+                                    </p:set>
+                                  </p:childTnLst>
+                                </p:cTn>
+                              </p:par>
+                              <p:par>
+                                <p:cTn id="13" presetID="10" presetClass="entr" presetSubtype="0" fill="hold" nodeType="withEffect">
+                                  <p:stCondLst>
+                                    <p:cond delay="0"/>
+                                  </p:stCondLst>
+                                  <p:childTnLst>
+                                    <p:set>
+                                      <p:cBhvr>
+                                        <p:cTn id="14" dur="1" fill="hold">
+                                          <p:stCondLst>
+                                            <p:cond delay="0"/>
+                                          </p:stCondLst>
+                                        </p:cTn>
+                                        <p:tgtEl>
+                                          <p:spTgt spid="195"/>
+                                        </p:tgtEl>
+                                        <p:attrNameLst>
+                                          <p:attrName>style.visibility</p:attrName>
+                                        </p:attrNameLst>
+                                      </p:cBhvr>
+                                      <p:to>
+                                        <p:strVal val="visible"/>
+                                      </p:to>
+                                    </p:set>
+                                    <p:animEffect transition="in" filter="fade">
+                                      <p:cBhvr>
+                                        <p:cTn id="15" dur="1000"/>
+                                        <p:tgtEl>
+                                          <p:spTgt spid="195"/>
+                                        </p:tgtEl>
+                                      </p:cBhvr>
+                                    </p:animEffect>
+                                  </p:childTnLst>
+                                </p:cTn>
+                              </p:par>
+                            </p:childTnLst>
+                          </p:cTn>
+                        </p:par>
+                      </p:childTnLst>
+                    </p:cTn>
+                  </p:par>
+                  <p:par>
+                    <p:cTn id="16" fill="hold">
+                      <p:stCondLst>
+                        <p:cond delay="indefinite"/>
+                      </p:stCondLst>
+                      <p:childTnLst>
+                        <p:par>
+                          <p:cTn id="17" fill="hold">
+                            <p:stCondLst>
+                              <p:cond delay="0"/>
+                            </p:stCondLst>
+                            <p:childTnLst>
+                              <p:par>
+                                <p:cTn id="18" presetID="10" presetClass="exit" presetSubtype="0" fill="hold" nodeType="clickEffect">
+                                  <p:stCondLst>
+                                    <p:cond delay="0"/>
+                                  </p:stCondLst>
+                                  <p:childTnLst>
+                                    <p:animEffect transition="out" filter="fade">
+                                      <p:cBhvr>
+                                        <p:cTn id="19" dur="1000"/>
+                                        <p:tgtEl>
+                                          <p:spTgt spid="195"/>
+                                        </p:tgtEl>
+                                      </p:cBhvr>
+                                    </p:animEffect>
+                                    <p:set>
+                                      <p:cBhvr>
+                                        <p:cTn id="20" dur="1" fill="hold">
+                                          <p:stCondLst>
+                                            <p:cond delay="1000"/>
+                                          </p:stCondLst>
+                                        </p:cTn>
+                                        <p:tgtEl>
+                                          <p:spTgt spid="195"/>
+                                        </p:tgtEl>
+                                        <p:attrNameLst>
+                                          <p:attrName>style.visibility</p:attrName>
+                                        </p:attrNameLst>
+                                      </p:cBhvr>
+                                      <p:to>
+                                        <p:strVal val="hidden"/>
+                                      </p:to>
+                                    </p:set>
+                                  </p:childTnLst>
+                                </p:cTn>
+                              </p:par>
+                              <p:par>
+                                <p:cTn id="21" presetID="10" presetClass="entr" presetSubtype="0" fill="hold" nodeType="withEffect">
+                                  <p:stCondLst>
+                                    <p:cond delay="0"/>
+                                  </p:stCondLst>
+                                  <p:childTnLst>
+                                    <p:set>
+                                      <p:cBhvr>
+                                        <p:cTn id="22" dur="1" fill="hold">
+                                          <p:stCondLst>
+                                            <p:cond delay="0"/>
+                                          </p:stCondLst>
+                                        </p:cTn>
+                                        <p:tgtEl>
+                                          <p:spTgt spid="196"/>
+                                        </p:tgtEl>
+                                        <p:attrNameLst>
+                                          <p:attrName>style.visibility</p:attrName>
+                                        </p:attrNameLst>
+                                      </p:cBhvr>
+                                      <p:to>
+                                        <p:strVal val="visible"/>
+                                      </p:to>
+                                    </p:set>
+                                    <p:animEffect transition="in" filter="fade">
+                                      <p:cBhvr>
+                                        <p:cTn id="23" dur="1000"/>
+                                        <p:tgtEl>
+                                          <p:spTgt spid="196"/>
+                                        </p:tgtEl>
+                                      </p:cBhvr>
+                                    </p:animEffect>
+                                  </p:childTnLst>
+                                </p:cTn>
+                              </p:par>
+                            </p:childTnLst>
+                          </p:cTn>
+                        </p:par>
+                      </p:childTnLst>
+                    </p:cTn>
+                  </p:par>
+                </p:childTnLst>
+              </p:cTn>
+              <p:prevCondLst>
+                <p:cond evt="onPrev" delay="0">
+                  <p:tgtEl>
+                    <p:sldTgt/>
+                  </p:tgtEl>
+                </p:cond>
+              </p:prevCondLst>
+              <p:nextCondLst>
+                <p:cond evt="onNext" delay="0">
+                  <p:tgtEl>
+                    <p:sldTgt/>
+                  </p:tgtEl>
+                </p:cond>
+              </p:nextCondLst>
+            </p:seq>
+          </p:childTnLst>
+        </p:cTn>
+      </p:par>
+    </p:tnLst>
+  </p:timing>
+</p:sld>
+</file>
+
+<file path=ppt/slides/slide3.xml><?xml version="1.0" encoding="utf-8"?>
+<p:sld xmlns:a="http://schemas.openxmlformats.org/drawingml/2006/main" xmlns:r="http://schemas.openxmlformats.org/officeDocument/2006/relationships" xmlns:p="http://schemas.openxmlformats.org/presentationml/2006/main">
+  <p:cSld>
+    <p:spTree>
+      <p:nvGrpSpPr>
+        <p:cNvPr id="1" name="Shape 200"/>
+        <p:cNvGrpSpPr/>
+        <p:nvPr/>
+      </p:nvGrpSpPr>
+      <p:grpSpPr>
+        <a:xfrm>
+          <a:off x="0" y="0"/>
+          <a:ext cx="0" cy="0"/>
+          <a:chOff x="0" y="0"/>
+          <a:chExt cx="0" cy="0"/>
+        </a:xfrm>
+      </p:grpSpPr>
+      <p:sp>
+        <p:nvSpPr>
+          <p:cNvPr id="201" name="Google Shape;201;p41"/>
+          <p:cNvSpPr txBox="1">
+            <a:spLocks noGrp="1"/>
+          </p:cNvSpPr>
+          <p:nvPr>
+            <p:ph type="title"/>
+          </p:nvPr>
+        </p:nvSpPr>
+        <p:spPr>
+          <a:xfrm>
+            <a:off x="628075" y="751389"/>
+            <a:ext cx="12561413" cy="1015467"/>
+          </a:xfrm>
+          <a:prstGeom prst="rect">
+            <a:avLst/>
+          </a:prstGeom>
+        </p:spPr>
+        <p:txBody>
+          <a:bodyPr spcFirstLastPara="1" vert="horz" wrap="square" lIns="91422" tIns="91422" rIns="91422" bIns="91422" rtlCol="0" anchor="b" anchorCtr="0">
+            <a:noAutofit/>
+          </a:bodyPr>
+          <a:lstStyle/>
+          <a:p>
+            <a:r>
+              <a:rPr lang="en" dirty="0"/>
+              <a:t>The Internet is really, really great</a:t>
+            </a:r>
+            <a:endParaRPr dirty="0"/>
+          </a:p>
+        </p:txBody>
+      </p:sp>
+      <p:pic>
+        <p:nvPicPr>
+          <p:cNvPr id="2" name="Online Media 1" title="What is the Internet?">
+            <a:hlinkClick r:id="" action="ppaction://media"/>
+            <a:extLst>
+              <a:ext uri="{FF2B5EF4-FFF2-40B4-BE49-F238E27FC236}">
+                <a16:creationId xmlns:a16="http://schemas.microsoft.com/office/drawing/2014/main" id="{B97E5587-992F-4857-ACC9-96517AAFBD80}"/>
+              </a:ext>
+            </a:extLst>
+          </p:cNvPr>
+          <p:cNvPicPr>
+            <a:picLocks noRot="1" noChangeAspect="1"/>
+          </p:cNvPicPr>
+          <p:nvPr>
+            <a:videoFile r:link="rId1"/>
+          </p:nvPr>
+        </p:nvPicPr>
+        <p:blipFill>
+          <a:blip r:embed="rId4"/>
+          <a:stretch>
+            <a:fillRect/>
+          </a:stretch>
+        </p:blipFill>
+        <p:spPr>
+          <a:xfrm>
+            <a:off x="2206152" y="1766856"/>
+            <a:ext cx="9405257" cy="5313971"/>
+          </a:xfrm>
+          <a:prstGeom prst="rect">
+            <a:avLst/>
+          </a:prstGeom>
+        </p:spPr>
+      </p:pic>
+    </p:spTree>
+  </p:cSld>
+  <p:clrMapOvr>
+    <a:masterClrMapping/>
+  </p:clrMapOvr>
+  <p:timing>
+    <p:tnLst>
+      <p:par>
+        <p:cTn id="1" dur="indefinite" restart="never" nodeType="tmRoot">
+          <p:childTnLst>
+            <p:seq concurrent="1" nextAc="seek">
+              <p:cTn id="2" dur="indefinite" nodeType="mainSeq">
+                <p:childTnLst>
+                  <p:par>
+                    <p:cTn id="3" fill="hold">
+                      <p:stCondLst>
+                        <p:cond delay="indefinite"/>
+                      </p:stCondLst>
+                      <p:childTnLst>
+                        <p:par>
+                          <p:cTn id="4" fill="hold">
+                            <p:stCondLst>
+                              <p:cond delay="0"/>
+                            </p:stCondLst>
+                            <p:childTnLst>
+                              <p:par>
+                                <p:cTn id="5" presetID="1" presetClass="mediacall" presetSubtype="0" fill="hold" nodeType="clickEffect">
+                                  <p:stCondLst>
+                                    <p:cond delay="0"/>
+                                  </p:stCondLst>
+                                  <p:childTnLst>
+                                    <p:cmd type="call" cmd="playFrom(0.0)">
+                                      <p:cBhvr>
+                                        <p:cTn id="6" dur="1" fill="hold"/>
+                                        <p:tgtEl>
+                                          <p:spTgt spid="2"/>
+                                        </p:tgtEl>
+                                      </p:cBhvr>
+                                    </p:cmd>
+                                  </p:childTnLst>
+                                </p:cTn>
+                              </p:par>
+                            </p:childTnLst>
+                          </p:cTn>
+                        </p:par>
+                      </p:childTnLst>
+                    </p:cTn>
+                  </p:par>
+                </p:childTnLst>
+              </p:cTn>
+              <p:prevCondLst>
+                <p:cond evt="onPrev" delay="0">
+                  <p:tgtEl>
+                    <p:sldTgt/>
+                  </p:tgtEl>
+                </p:cond>
+              </p:prevCondLst>
+              <p:nextCondLst>
+                <p:cond evt="onNext" delay="0">
+                  <p:tgtEl>
+                    <p:sldTgt/>
+                  </p:tgtEl>
+                </p:cond>
+              </p:nextCondLst>
+            </p:seq>
+            <p:video>
+              <p:cMediaNode vol="80000">
+                <p:cTn id="7" fill="hold" display="0">
+                  <p:stCondLst>
+                    <p:cond delay="indefinite"/>
+                  </p:stCondLst>
+                </p:cTn>
+                <p:tgtEl>
+                  <p:spTgt spid="2"/>
+                </p:tgtEl>
+              </p:cMediaNode>
+            </p:video>
+            <p:seq concurrent="1" nextAc="seek">
+              <p:cTn id="8" restart="whenNotActive" fill="hold" evtFilter="cancelBubble" nodeType="interactiveSeq">
+                <p:stCondLst>
+                  <p:cond evt="onClick" delay="0">
+                    <p:tgtEl>
+                      <p:spTgt spid="2"/>
+                    </p:tgtEl>
+                  </p:cond>
+                </p:stCondLst>
+                <p:endSync evt="end" delay="0">
+                  <p:rtn val="all"/>
+                </p:endSync>
+                <p:childTnLst>
+                  <p:par>
+                    <p:cTn id="9" fill="hold">
+                      <p:stCondLst>
+                        <p:cond delay="0"/>
+                      </p:stCondLst>
+                      <p:childTnLst>
+                        <p:par>
+                          <p:cTn id="10" fill="hold">
+                            <p:stCondLst>
+                              <p:cond delay="0"/>
+                            </p:stCondLst>
+                            <p:childTnLst>
+                              <p:par>
+                                <p:cTn id="11" presetID="2" presetClass="mediacall" presetSubtype="0" fill="hold" nodeType="clickEffect">
+                                  <p:stCondLst>
+                                    <p:cond delay="0"/>
+                                  </p:stCondLst>
+                                  <p:childTnLst>
+                                    <p:cmd type="call" cmd="togglePause">
+                                      <p:cBhvr>
+                                        <p:cTn id="12" dur="1" fill="hold"/>
+                                        <p:tgtEl>
+                                          <p:spTgt spid="2"/>
+                                        </p:tgtEl>
+                                      </p:cBhvr>
+                                    </p:cmd>
+                                  </p:childTnLst>
+                                </p:cTn>
+                              </p:par>
+                            </p:childTnLst>
+                          </p:cTn>
+                        </p:par>
+                      </p:childTnLst>
+                    </p:cTn>
+                  </p:par>
+                </p:childTnLst>
+              </p:cTn>
+              <p:nextCondLst>
+                <p:cond evt="onClick" delay="0">
+                  <p:tgtEl>
+                    <p:spTgt spid="2"/>
+                  </p:tgtEl>
+                </p:cond>
+              </p:nextCondLst>
+            </p:seq>
+          </p:childTnLst>
+        </p:cTn>
+      </p:par>
+    </p:tnLst>
+  </p:timing>
+</p:sld>
+</file>
+
+<file path=ppt/slides/slide4.xml><?xml version="1.0" encoding="utf-8"?>
+<p:sld xmlns:a="http://schemas.openxmlformats.org/drawingml/2006/main" xmlns:r="http://schemas.openxmlformats.org/officeDocument/2006/relationships" xmlns:p="http://schemas.openxmlformats.org/presentationml/2006/main">
+  <p:cSld>
+    <p:spTree>
+      <p:nvGrpSpPr>
+        <p:cNvPr id="1" name="Shape 206"/>
+        <p:cNvGrpSpPr/>
+        <p:nvPr/>
+      </p:nvGrpSpPr>
+      <p:grpSpPr>
+        <a:xfrm>
+          <a:off x="0" y="0"/>
+          <a:ext cx="0" cy="0"/>
+          <a:chOff x="0" y="0"/>
+          <a:chExt cx="0" cy="0"/>
+        </a:xfrm>
+      </p:grpSpPr>
+      <p:sp>
+        <p:nvSpPr>
+          <p:cNvPr id="207" name="Google Shape;207;p42"/>
+          <p:cNvSpPr txBox="1">
+            <a:spLocks noGrp="1"/>
+          </p:cNvSpPr>
+          <p:nvPr>
+            <p:ph type="title"/>
+          </p:nvPr>
+        </p:nvSpPr>
+        <p:spPr>
+          <a:xfrm>
+            <a:off x="628075" y="751389"/>
+            <a:ext cx="12561413" cy="1015467"/>
+          </a:xfrm>
+          <a:prstGeom prst="rect">
+            <a:avLst/>
+          </a:prstGeom>
+        </p:spPr>
+        <p:txBody>
+          <a:bodyPr spcFirstLastPara="1" vert="horz" wrap="square" lIns="91422" tIns="91422" rIns="91422" bIns="91422" rtlCol="0" anchor="b" anchorCtr="0">
+            <a:noAutofit/>
+          </a:bodyPr>
+          <a:lstStyle/>
+          <a:p>
+            <a:r>
+              <a:rPr lang="en" dirty="0"/>
+              <a:t>Definitions to know</a:t>
+            </a:r>
+            <a:endParaRPr dirty="0"/>
+          </a:p>
+        </p:txBody>
+      </p:sp>
+      <p:sp>
+        <p:nvSpPr>
+          <p:cNvPr id="208" name="Google Shape;208;p42"/>
+          <p:cNvSpPr txBox="1">
+            <a:spLocks noGrp="1"/>
+          </p:cNvSpPr>
+          <p:nvPr>
+            <p:ph type="body" idx="1"/>
+          </p:nvPr>
+        </p:nvSpPr>
+        <p:spPr>
+          <a:xfrm>
+            <a:off x="628094" y="1770320"/>
+            <a:ext cx="12561413" cy="4927280"/>
+          </a:xfrm>
+          <a:prstGeom prst="rect">
+            <a:avLst/>
+          </a:prstGeom>
+        </p:spPr>
+        <p:txBody>
+          <a:bodyPr spcFirstLastPara="1" vert="horz" wrap="square" lIns="91422" tIns="91422" rIns="91422" bIns="91422" rtlCol="0" anchor="t" anchorCtr="0">
+            <a:noAutofit/>
+          </a:bodyPr>
+          <a:lstStyle/>
+          <a:p>
+            <a:r>
+              <a:rPr lang="en" b="1" dirty="0"/>
+              <a:t>URL - Uniform Resource Locators  - </a:t>
+            </a:r>
+            <a:r>
+              <a:rPr lang="en-US" u="sng" dirty="0">
+                <a:solidFill>
+                  <a:schemeClr val="hlink"/>
+                </a:solidFill>
+                <a:hlinkClick r:id="rId3"/>
+              </a:rPr>
+              <a:t>http://www.cs.colostate.edu/~cs150b</a:t>
+            </a:r>
+            <a:r>
+              <a:rPr lang="en" u="sng" dirty="0">
+                <a:solidFill>
+                  <a:schemeClr val="hlink"/>
+                </a:solidFill>
+              </a:rPr>
+              <a:t>b</a:t>
+            </a:r>
+            <a:endParaRPr dirty="0"/>
+          </a:p>
+          <a:p>
+            <a:pPr lvl="1" indent="-460583">
+              <a:lnSpc>
+                <a:spcPct val="115000"/>
+              </a:lnSpc>
+              <a:spcBef>
+                <a:spcPts val="0"/>
+              </a:spcBef>
+              <a:buClr>
+                <a:srgbClr val="101010"/>
+              </a:buClr>
+              <a:buSzPts val="1200"/>
+            </a:pPr>
+            <a:r>
+              <a:rPr lang="en" sz="1813" dirty="0">
+                <a:solidFill>
+                  <a:srgbClr val="101010"/>
+                </a:solidFill>
+                <a:latin typeface="Arial"/>
+                <a:ea typeface="Arial"/>
+                <a:cs typeface="Arial"/>
+                <a:sym typeface="Arial"/>
+              </a:rPr>
+              <a:t>The </a:t>
+            </a:r>
+            <a:r>
+              <a:rPr lang="en" sz="1813" b="1" dirty="0">
+                <a:solidFill>
+                  <a:srgbClr val="101010"/>
+                </a:solidFill>
+                <a:latin typeface="Arial"/>
+                <a:ea typeface="Arial"/>
+                <a:cs typeface="Arial"/>
+                <a:sym typeface="Arial"/>
+              </a:rPr>
+              <a:t>protocol</a:t>
+            </a:r>
+            <a:r>
+              <a:rPr lang="en" sz="1813" dirty="0">
+                <a:solidFill>
+                  <a:srgbClr val="101010"/>
+                </a:solidFill>
+                <a:latin typeface="Arial"/>
+                <a:ea typeface="Arial"/>
+                <a:cs typeface="Arial"/>
+                <a:sym typeface="Arial"/>
+              </a:rPr>
+              <a:t> is the portion ending in :// </a:t>
+            </a:r>
+            <a:endParaRPr sz="1813" dirty="0">
+              <a:solidFill>
+                <a:srgbClr val="101010"/>
+              </a:solidFill>
+              <a:latin typeface="Arial"/>
+              <a:ea typeface="Arial"/>
+              <a:cs typeface="Arial"/>
+              <a:sym typeface="Arial"/>
+            </a:endParaRPr>
+          </a:p>
+          <a:p>
+            <a:pPr lvl="2" indent="-460583">
+              <a:lnSpc>
+                <a:spcPct val="115000"/>
+              </a:lnSpc>
+              <a:spcBef>
+                <a:spcPts val="0"/>
+              </a:spcBef>
+              <a:buClr>
+                <a:srgbClr val="101010"/>
+              </a:buClr>
+              <a:buSzPts val="1200"/>
+            </a:pPr>
+            <a:r>
+              <a:rPr lang="en" sz="1813" dirty="0">
+                <a:solidFill>
+                  <a:srgbClr val="101010"/>
+                </a:solidFill>
+                <a:latin typeface="Arial"/>
+                <a:ea typeface="Arial"/>
+                <a:cs typeface="Arial"/>
+                <a:sym typeface="Arial"/>
+              </a:rPr>
+              <a:t>http, https, ftp, </a:t>
+            </a:r>
+            <a:r>
+              <a:rPr lang="en" sz="1813" dirty="0" err="1">
+                <a:solidFill>
+                  <a:srgbClr val="101010"/>
+                </a:solidFill>
+                <a:latin typeface="Arial"/>
+                <a:ea typeface="Arial"/>
+                <a:cs typeface="Arial"/>
+                <a:sym typeface="Arial"/>
+              </a:rPr>
+              <a:t>scp</a:t>
+            </a:r>
+            <a:r>
+              <a:rPr lang="en" sz="1813" dirty="0">
+                <a:solidFill>
+                  <a:srgbClr val="101010"/>
+                </a:solidFill>
+                <a:latin typeface="Arial"/>
+                <a:ea typeface="Arial"/>
+                <a:cs typeface="Arial"/>
+                <a:sym typeface="Arial"/>
+              </a:rPr>
+              <a:t>, </a:t>
+            </a:r>
+            <a:r>
+              <a:rPr lang="en" sz="1813" dirty="0" err="1">
+                <a:solidFill>
+                  <a:srgbClr val="101010"/>
+                </a:solidFill>
+                <a:latin typeface="Arial"/>
+                <a:ea typeface="Arial"/>
+                <a:cs typeface="Arial"/>
+                <a:sym typeface="Arial"/>
+              </a:rPr>
+              <a:t>ssh</a:t>
+            </a:r>
+            <a:r>
+              <a:rPr lang="en" sz="1813" dirty="0">
+                <a:solidFill>
+                  <a:srgbClr val="101010"/>
+                </a:solidFill>
+                <a:latin typeface="Arial"/>
+                <a:ea typeface="Arial"/>
+                <a:cs typeface="Arial"/>
+                <a:sym typeface="Arial"/>
+              </a:rPr>
+              <a:t>, </a:t>
+            </a:r>
+            <a:r>
+              <a:rPr lang="en" sz="1813" dirty="0" err="1">
+                <a:solidFill>
+                  <a:srgbClr val="101010"/>
+                </a:solidFill>
+                <a:latin typeface="Arial"/>
+                <a:ea typeface="Arial"/>
+                <a:cs typeface="Arial"/>
+                <a:sym typeface="Arial"/>
+              </a:rPr>
+              <a:t>etc</a:t>
+            </a:r>
+            <a:r>
+              <a:rPr lang="en" sz="1813" dirty="0">
+                <a:solidFill>
+                  <a:srgbClr val="101010"/>
+                </a:solidFill>
+                <a:latin typeface="Arial"/>
+                <a:ea typeface="Arial"/>
+                <a:cs typeface="Arial"/>
+                <a:sym typeface="Arial"/>
+              </a:rPr>
+              <a:t> </a:t>
+            </a:r>
+            <a:endParaRPr sz="1813" dirty="0">
+              <a:solidFill>
+                <a:srgbClr val="101010"/>
+              </a:solidFill>
+              <a:latin typeface="Arial"/>
+              <a:ea typeface="Arial"/>
+              <a:cs typeface="Arial"/>
+              <a:sym typeface="Arial"/>
+            </a:endParaRPr>
+          </a:p>
+          <a:p>
+            <a:pPr lvl="1" indent="-460583">
+              <a:lnSpc>
+                <a:spcPct val="115000"/>
+              </a:lnSpc>
+              <a:spcBef>
+                <a:spcPts val="0"/>
+              </a:spcBef>
+              <a:buClr>
+                <a:srgbClr val="101010"/>
+              </a:buClr>
+              <a:buSzPts val="1200"/>
+            </a:pPr>
+            <a:r>
+              <a:rPr lang="en" sz="1813" dirty="0">
+                <a:solidFill>
+                  <a:srgbClr val="101010"/>
+                </a:solidFill>
+                <a:latin typeface="Arial"/>
+                <a:ea typeface="Arial"/>
+                <a:cs typeface="Arial"/>
+                <a:sym typeface="Arial"/>
+              </a:rPr>
+              <a:t>The </a:t>
+            </a:r>
+            <a:r>
+              <a:rPr lang="en" sz="1813" b="1" dirty="0">
+                <a:solidFill>
+                  <a:srgbClr val="101010"/>
+                </a:solidFill>
+                <a:latin typeface="Arial"/>
+                <a:ea typeface="Arial"/>
+                <a:cs typeface="Arial"/>
+                <a:sym typeface="Arial"/>
+              </a:rPr>
+              <a:t>host</a:t>
+            </a:r>
+            <a:r>
+              <a:rPr lang="en" sz="1813" dirty="0">
+                <a:solidFill>
+                  <a:srgbClr val="101010"/>
+                </a:solidFill>
+                <a:latin typeface="Arial"/>
+                <a:ea typeface="Arial"/>
+                <a:cs typeface="Arial"/>
+                <a:sym typeface="Arial"/>
+              </a:rPr>
+              <a:t> or top-level domain</a:t>
+            </a:r>
+            <a:endParaRPr sz="1813" dirty="0">
+              <a:solidFill>
+                <a:srgbClr val="101010"/>
+              </a:solidFill>
+              <a:latin typeface="Arial"/>
+              <a:ea typeface="Arial"/>
+              <a:cs typeface="Arial"/>
+              <a:sym typeface="Arial"/>
+            </a:endParaRPr>
+          </a:p>
+          <a:p>
+            <a:pPr lvl="2" indent="-460583">
+              <a:lnSpc>
+                <a:spcPct val="115000"/>
+              </a:lnSpc>
+              <a:spcBef>
+                <a:spcPts val="0"/>
+              </a:spcBef>
+              <a:buClr>
+                <a:srgbClr val="101010"/>
+              </a:buClr>
+              <a:buSzPts val="1200"/>
+            </a:pPr>
+            <a:r>
+              <a:rPr lang="en" sz="1813" dirty="0" err="1">
+                <a:solidFill>
+                  <a:srgbClr val="101010"/>
+                </a:solidFill>
+                <a:latin typeface="Arial"/>
+                <a:ea typeface="Arial"/>
+                <a:cs typeface="Arial"/>
+                <a:sym typeface="Arial"/>
+              </a:rPr>
+              <a:t>colostate.edu</a:t>
+            </a:r>
+            <a:endParaRPr sz="1813" dirty="0">
+              <a:solidFill>
+                <a:srgbClr val="101010"/>
+              </a:solidFill>
+              <a:latin typeface="Arial"/>
+              <a:ea typeface="Arial"/>
+              <a:cs typeface="Arial"/>
+              <a:sym typeface="Arial"/>
+            </a:endParaRPr>
+          </a:p>
+          <a:p>
+            <a:pPr lvl="1" indent="-460583">
+              <a:lnSpc>
+                <a:spcPct val="115000"/>
+              </a:lnSpc>
+              <a:spcBef>
+                <a:spcPts val="0"/>
+              </a:spcBef>
+              <a:buClr>
+                <a:srgbClr val="101010"/>
+              </a:buClr>
+              <a:buSzPts val="1200"/>
+            </a:pPr>
+            <a:r>
+              <a:rPr lang="en" sz="1813" dirty="0">
+                <a:solidFill>
+                  <a:srgbClr val="101010"/>
+                </a:solidFill>
+                <a:latin typeface="Arial"/>
+                <a:ea typeface="Arial"/>
+                <a:cs typeface="Arial"/>
+                <a:sym typeface="Arial"/>
+              </a:rPr>
+              <a:t>The </a:t>
+            </a:r>
+            <a:r>
+              <a:rPr lang="en" sz="1813" b="1" dirty="0">
+                <a:solidFill>
+                  <a:srgbClr val="101010"/>
+                </a:solidFill>
+                <a:latin typeface="Arial"/>
+                <a:ea typeface="Arial"/>
+                <a:cs typeface="Arial"/>
+                <a:sym typeface="Arial"/>
+              </a:rPr>
+              <a:t>filename</a:t>
+            </a:r>
+            <a:r>
+              <a:rPr lang="en" sz="1813" dirty="0">
+                <a:solidFill>
+                  <a:srgbClr val="101010"/>
+                </a:solidFill>
+                <a:latin typeface="Arial"/>
+                <a:ea typeface="Arial"/>
+                <a:cs typeface="Arial"/>
+                <a:sym typeface="Arial"/>
+              </a:rPr>
+              <a:t> or page name itself</a:t>
+            </a:r>
+            <a:endParaRPr sz="1813" dirty="0">
+              <a:solidFill>
+                <a:srgbClr val="101010"/>
+              </a:solidFill>
+              <a:latin typeface="Arial"/>
+              <a:ea typeface="Arial"/>
+              <a:cs typeface="Arial"/>
+              <a:sym typeface="Arial"/>
+            </a:endParaRPr>
+          </a:p>
+          <a:p>
+            <a:pPr lvl="2" indent="-460583">
+              <a:lnSpc>
+                <a:spcPct val="115000"/>
+              </a:lnSpc>
+              <a:spcBef>
+                <a:spcPts val="0"/>
+              </a:spcBef>
+              <a:buClr>
+                <a:srgbClr val="101010"/>
+              </a:buClr>
+              <a:buSzPts val="1200"/>
+            </a:pPr>
+            <a:r>
+              <a:rPr lang="en" sz="1813" dirty="0">
+                <a:solidFill>
+                  <a:srgbClr val="101010"/>
+                </a:solidFill>
+                <a:latin typeface="Arial"/>
+                <a:ea typeface="Arial"/>
+                <a:cs typeface="Arial"/>
+                <a:sym typeface="Arial"/>
+              </a:rPr>
+              <a:t>Can also include directories, such as ~cs150</a:t>
+            </a:r>
+            <a:endParaRPr sz="1813" dirty="0">
+              <a:solidFill>
+                <a:srgbClr val="101010"/>
+              </a:solidFill>
+              <a:latin typeface="Arial"/>
+              <a:ea typeface="Arial"/>
+              <a:cs typeface="Arial"/>
+              <a:sym typeface="Arial"/>
+            </a:endParaRPr>
+          </a:p>
+          <a:p>
+            <a:pPr lvl="2" indent="-460583">
+              <a:lnSpc>
+                <a:spcPct val="115000"/>
+              </a:lnSpc>
+              <a:spcBef>
+                <a:spcPts val="0"/>
+              </a:spcBef>
+              <a:buClr>
+                <a:srgbClr val="101010"/>
+              </a:buClr>
+              <a:buSzPts val="1200"/>
+            </a:pPr>
+            <a:r>
+              <a:rPr lang="en" sz="1813" dirty="0">
+                <a:solidFill>
+                  <a:srgbClr val="101010"/>
+                </a:solidFill>
+                <a:latin typeface="Arial"/>
+                <a:ea typeface="Arial"/>
+                <a:cs typeface="Arial"/>
+                <a:sym typeface="Arial"/>
+              </a:rPr>
+              <a:t>In this case, there is a default file - </a:t>
+            </a:r>
+            <a:r>
+              <a:rPr lang="en" sz="1813" dirty="0" err="1">
+                <a:solidFill>
+                  <a:srgbClr val="101010"/>
+                </a:solidFill>
+                <a:latin typeface="Arial"/>
+                <a:ea typeface="Arial"/>
+                <a:cs typeface="Arial"/>
+                <a:sym typeface="Arial"/>
+              </a:rPr>
+              <a:t>index.html</a:t>
+            </a:r>
+            <a:endParaRPr sz="1813" dirty="0">
+              <a:solidFill>
+                <a:srgbClr val="101010"/>
+              </a:solidFill>
+              <a:latin typeface="Arial"/>
+              <a:ea typeface="Arial"/>
+              <a:cs typeface="Arial"/>
+              <a:sym typeface="Arial"/>
+            </a:endParaRPr>
+          </a:p>
+          <a:p>
+            <a:pPr>
+              <a:spcBef>
+                <a:spcPts val="0"/>
+              </a:spcBef>
+            </a:pPr>
+            <a:r>
+              <a:rPr lang="en" b="1" dirty="0"/>
+              <a:t>HTTP</a:t>
+            </a:r>
+            <a:r>
+              <a:rPr lang="en" dirty="0"/>
+              <a:t> - </a:t>
+            </a:r>
+            <a:r>
+              <a:rPr lang="en" b="1" u="sng" dirty="0" err="1"/>
+              <a:t>H</a:t>
+            </a:r>
+            <a:r>
+              <a:rPr lang="en" dirty="0" err="1"/>
+              <a:t>yper</a:t>
+            </a:r>
+            <a:r>
+              <a:rPr lang="en" b="1" u="sng" dirty="0" err="1"/>
+              <a:t>T</a:t>
+            </a:r>
+            <a:r>
+              <a:rPr lang="en" dirty="0" err="1"/>
+              <a:t>ext</a:t>
+            </a:r>
+            <a:r>
+              <a:rPr lang="en" dirty="0"/>
+              <a:t> </a:t>
+            </a:r>
+            <a:r>
+              <a:rPr lang="en" b="1" u="sng" dirty="0"/>
+              <a:t>T</a:t>
+            </a:r>
+            <a:r>
+              <a:rPr lang="en" dirty="0"/>
+              <a:t>ransfer </a:t>
+            </a:r>
+            <a:r>
+              <a:rPr lang="en" b="1" u="sng" dirty="0"/>
+              <a:t>P</a:t>
+            </a:r>
+            <a:r>
+              <a:rPr lang="en" dirty="0"/>
+              <a:t>rotocol (HTTPS - encrypts it as </a:t>
+            </a:r>
+            <a:r>
+              <a:rPr lang="en" b="1" dirty="0"/>
+              <a:t>S</a:t>
+            </a:r>
+            <a:r>
+              <a:rPr lang="en" dirty="0"/>
+              <a:t>ecure) </a:t>
+            </a:r>
+            <a:endParaRPr dirty="0"/>
+          </a:p>
+          <a:p>
+            <a:pPr>
+              <a:spcBef>
+                <a:spcPts val="0"/>
+              </a:spcBef>
+            </a:pPr>
+            <a:r>
+              <a:rPr lang="en" b="1" dirty="0"/>
+              <a:t>IP Address - </a:t>
+            </a:r>
+            <a:r>
+              <a:rPr lang="en" b="1" u="sng" dirty="0"/>
+              <a:t>I</a:t>
+            </a:r>
+            <a:r>
+              <a:rPr lang="en" dirty="0"/>
+              <a:t>nternet </a:t>
+            </a:r>
+            <a:r>
+              <a:rPr lang="en" b="1" u="sng" dirty="0"/>
+              <a:t>P</a:t>
+            </a:r>
+            <a:r>
+              <a:rPr lang="en" dirty="0"/>
+              <a:t>rotocol </a:t>
+            </a:r>
+            <a:endParaRPr dirty="0"/>
+          </a:p>
+          <a:p>
+            <a:pPr lvl="1">
+              <a:spcBef>
+                <a:spcPts val="0"/>
+              </a:spcBef>
+            </a:pPr>
+            <a:r>
+              <a:rPr lang="en" dirty="0"/>
+              <a:t>128.0.0.1  (IPv4)</a:t>
+            </a:r>
+            <a:endParaRPr dirty="0"/>
+          </a:p>
+          <a:p>
+            <a:pPr lvl="1">
+              <a:spcBef>
+                <a:spcPts val="0"/>
+              </a:spcBef>
+            </a:pPr>
+            <a:r>
+              <a:rPr lang="en" dirty="0"/>
+              <a:t>2001:CDBA:0000:0000:0000:0000:3257:9652  (IPv6)</a:t>
+            </a:r>
+            <a:endParaRPr dirty="0"/>
+          </a:p>
+          <a:p>
+            <a:pPr>
+              <a:spcBef>
+                <a:spcPts val="0"/>
+              </a:spcBef>
+            </a:pPr>
+            <a:r>
+              <a:rPr lang="en" b="1" dirty="0"/>
+              <a:t>DNS - </a:t>
+            </a:r>
+            <a:r>
+              <a:rPr lang="en" b="1" u="sng" dirty="0"/>
+              <a:t>D</a:t>
+            </a:r>
+            <a:r>
+              <a:rPr lang="en" dirty="0"/>
+              <a:t>omain </a:t>
+            </a:r>
+            <a:r>
+              <a:rPr lang="en" b="1" u="sng" dirty="0"/>
+              <a:t>N</a:t>
+            </a:r>
+            <a:r>
+              <a:rPr lang="en" dirty="0"/>
+              <a:t>ame </a:t>
+            </a:r>
+            <a:r>
+              <a:rPr lang="en" b="1" u="sng" dirty="0"/>
+              <a:t>S</a:t>
+            </a:r>
+            <a:r>
+              <a:rPr lang="en" dirty="0"/>
+              <a:t>erver</a:t>
+            </a:r>
+            <a:endParaRPr dirty="0"/>
+          </a:p>
+          <a:p>
+            <a:pPr lvl="1">
+              <a:spcBef>
+                <a:spcPts val="0"/>
+              </a:spcBef>
+            </a:pPr>
+            <a:r>
+              <a:rPr lang="en" dirty="0"/>
+              <a:t>Converts URL host names to IPs</a:t>
+            </a:r>
+            <a:endParaRPr dirty="0"/>
+          </a:p>
+          <a:p>
+            <a:pPr lvl="1">
+              <a:spcBef>
+                <a:spcPts val="0"/>
+              </a:spcBef>
+            </a:pPr>
+            <a:r>
+              <a:rPr lang="en" dirty="0"/>
+              <a:t>Routers then have you connect to that server using the IP </a:t>
+            </a:r>
+            <a:endParaRPr dirty="0"/>
+          </a:p>
+        </p:txBody>
+      </p:sp>
+      <p:sp>
+        <p:nvSpPr>
+          <p:cNvPr id="209" name="Google Shape;209;p42"/>
+          <p:cNvSpPr txBox="1"/>
+          <p:nvPr/>
+        </p:nvSpPr>
+        <p:spPr>
+          <a:xfrm>
+            <a:off x="6305925" y="7280533"/>
+            <a:ext cx="10262560" cy="491867"/>
+          </a:xfrm>
+          <a:prstGeom prst="rect">
+            <a:avLst/>
+          </a:prstGeom>
+          <a:noFill/>
+          <a:ln>
+            <a:noFill/>
+          </a:ln>
+        </p:spPr>
+        <p:txBody>
+          <a:bodyPr spcFirstLastPara="1" wrap="square" lIns="138153" tIns="138153" rIns="138153" bIns="138153" anchor="t" anchorCtr="0">
+            <a:noAutofit/>
+          </a:bodyPr>
+          <a:lstStyle/>
+          <a:p>
+            <a:r>
+              <a:rPr lang="en" sz="1400" dirty="0">
+                <a:solidFill>
+                  <a:schemeClr val="bg1"/>
+                </a:solidFill>
+                <a:latin typeface="Proxima Nova"/>
+                <a:ea typeface="Proxima Nova"/>
+                <a:cs typeface="Proxima Nova"/>
+                <a:sym typeface="Proxima Nova"/>
+              </a:rPr>
+              <a:t>Further reading: </a:t>
+            </a:r>
+            <a:r>
+              <a:rPr lang="en" sz="1400" u="sng" dirty="0">
+                <a:solidFill>
+                  <a:srgbClr val="3246A4"/>
+                </a:solidFill>
+                <a:hlinkClick r:id="rId4"/>
+              </a:rPr>
+              <a:t>https://www.lifewire.com/top-internet-terms-for-beginners-2483381</a:t>
+            </a:r>
+            <a:endParaRPr sz="1400" dirty="0">
+              <a:latin typeface="Proxima Nova"/>
+              <a:ea typeface="Proxima Nova"/>
+              <a:cs typeface="Proxima Nova"/>
+              <a:sym typeface="Proxima Nova"/>
+            </a:endParaRPr>
+          </a:p>
+        </p:txBody>
+      </p:sp>
+    </p:spTree>
+  </p:cSld>
+  <p:clrMapOvr>
+    <a:masterClrMapping/>
+  </p:clrMapOvr>
+</p:sld>
+</file>
+
+<file path=ppt/slides/slide5.xml><?xml version="1.0" encoding="utf-8"?>
+<p:sld xmlns:a="http://schemas.openxmlformats.org/drawingml/2006/main" xmlns:r="http://schemas.openxmlformats.org/officeDocument/2006/relationships" xmlns:p="http://schemas.openxmlformats.org/presentationml/2006/main">
+  <p:cSld>
+    <p:spTree>
+      <p:nvGrpSpPr>
+        <p:cNvPr id="1" name=""/>
+        <p:cNvGrpSpPr/>
+        <p:nvPr/>
+      </p:nvGrpSpPr>
+      <p:grpSpPr>
+        <a:xfrm>
+          <a:off x="0" y="0"/>
+          <a:ext cx="0" cy="0"/>
+          <a:chOff x="0" y="0"/>
+          <a:chExt cx="0" cy="0"/>
+        </a:xfrm>
+      </p:grpSpPr>
+      <p:sp>
+        <p:nvSpPr>
+          <p:cNvPr id="2" name="Title 1">
+            <a:extLst>
+              <a:ext uri="{FF2B5EF4-FFF2-40B4-BE49-F238E27FC236}">
+                <a16:creationId xmlns:a16="http://schemas.microsoft.com/office/drawing/2014/main" id="{3B59CD55-650D-460C-BC70-C62F0407DEBC}"/>
+              </a:ext>
+            </a:extLst>
+          </p:cNvPr>
+          <p:cNvSpPr>
+            <a:spLocks noGrp="1"/>
+          </p:cNvSpPr>
+          <p:nvPr>
+            <p:ph type="title"/>
+          </p:nvPr>
+        </p:nvSpPr>
+        <p:spPr>
+          <a:xfrm>
+            <a:off x="628075" y="243655"/>
+            <a:ext cx="12561413" cy="1015467"/>
+          </a:xfrm>
+        </p:spPr>
+        <p:txBody>
+          <a:bodyPr/>
+          <a:lstStyle/>
+          <a:p>
+            <a:r>
+              <a:rPr lang="en-US" dirty="0"/>
+              <a:t>Binary?</a:t>
+            </a:r>
+          </a:p>
+        </p:txBody>
+      </p:sp>
+      <p:pic>
+        <p:nvPicPr>
+          <p:cNvPr id="4" name="Online Media 3" title="The Internet: Wires, Cables &amp; Wifi">
+            <a:hlinkClick r:id="" action="ppaction://media"/>
+            <a:extLst>
+              <a:ext uri="{FF2B5EF4-FFF2-40B4-BE49-F238E27FC236}">
+                <a16:creationId xmlns:a16="http://schemas.microsoft.com/office/drawing/2014/main" id="{8D74861D-C1F7-4AA1-BB04-ACF0C63BFD27}"/>
+              </a:ext>
+            </a:extLst>
+          </p:cNvPr>
+          <p:cNvPicPr>
+            <a:picLocks noRot="1" noChangeAspect="1"/>
+          </p:cNvPicPr>
+          <p:nvPr>
+            <a:videoFile r:link="rId1"/>
+          </p:nvPr>
+        </p:nvPicPr>
+        <p:blipFill>
+          <a:blip r:embed="rId3"/>
+          <a:stretch>
+            <a:fillRect/>
+          </a:stretch>
+        </p:blipFill>
+        <p:spPr>
+          <a:xfrm>
+            <a:off x="1894095" y="1551432"/>
+            <a:ext cx="10029372" cy="5666596"/>
+          </a:xfrm>
+          <a:prstGeom prst="rect">
+            <a:avLst/>
+          </a:prstGeom>
+        </p:spPr>
+      </p:pic>
+    </p:spTree>
+    <p:extLst>
+      <p:ext uri="{BB962C8B-B14F-4D97-AF65-F5344CB8AC3E}">
+        <p14:creationId xmlns:p14="http://schemas.microsoft.com/office/powerpoint/2010/main" val="3308563917"/>
+      </p:ext>
+    </p:extLst>
+  </p:cSld>
+  <p:clrMapOvr>
+    <a:masterClrMapping/>
+  </p:clrMapOvr>
+  <p:transition>
+    <p:fade/>
+  </p:transition>
+  <p:timing>
+    <p:tnLst>
+      <p:par>
+        <p:cTn id="1" dur="indefinite" restart="never" nodeType="tmRoot">
+          <p:childTnLst>
+            <p:seq concurrent="1" nextAc="seek">
+              <p:cTn id="2" dur="indefinite" nodeType="mainSeq">
+                <p:childTnLst>
+                  <p:par>
+                    <p:cTn id="3" fill="hold">
+                      <p:stCondLst>
+                        <p:cond delay="indefinite"/>
+                      </p:stCondLst>
+                      <p:childTnLst>
+                        <p:par>
+                          <p:cTn id="4" fill="hold">
+                            <p:stCondLst>
+                              <p:cond delay="0"/>
+                            </p:stCondLst>
+                            <p:childTnLst>
+                              <p:par>
+                                <p:cTn id="5" presetID="1" presetClass="mediacall" presetSubtype="0" fill="hold" nodeType="clickEffect">
+                                  <p:stCondLst>
+                                    <p:cond delay="0"/>
+                                  </p:stCondLst>
+                                  <p:childTnLst>
+                                    <p:cmd type="call" cmd="playFrom(0.0)">
+                                      <p:cBhvr>
+                                        <p:cTn id="6" dur="1" fill="hold"/>
+                                        <p:tgtEl>
+                                          <p:spTgt spid="4"/>
+                                        </p:tgtEl>
+                                      </p:cBhvr>
+                                    </p:cmd>
+                                  </p:childTnLst>
+                                </p:cTn>
+                              </p:par>
+                            </p:childTnLst>
+                          </p:cTn>
+                        </p:par>
+                      </p:childTnLst>
+                    </p:cTn>
+                  </p:par>
+                </p:childTnLst>
+              </p:cTn>
+              <p:prevCondLst>
+                <p:cond evt="onPrev" delay="0">
+                  <p:tgtEl>
+                    <p:sldTgt/>
+                  </p:tgtEl>
+                </p:cond>
+              </p:prevCondLst>
+              <p:nextCondLst>
+                <p:cond evt="onNext" delay="0">
+                  <p:tgtEl>
+                    <p:sldTgt/>
+                  </p:tgtEl>
+                </p:cond>
+              </p:nextCondLst>
+            </p:seq>
+            <p:video>
+              <p:cMediaNode vol="80000">
+                <p:cTn id="7" fill="hold" display="0">
+                  <p:stCondLst>
+                    <p:cond delay="indefinite"/>
+                  </p:stCondLst>
+                </p:cTn>
+                <p:tgtEl>
+                  <p:spTgt spid="4"/>
+                </p:tgtEl>
+              </p:cMediaNode>
+            </p:video>
+            <p:seq concurrent="1" nextAc="seek">
+              <p:cTn id="8" restart="whenNotActive" fill="hold" evtFilter="cancelBubble" nodeType="interactiveSeq">
+                <p:stCondLst>
+                  <p:cond evt="onClick" delay="0">
+                    <p:tgtEl>
+                      <p:spTgt spid="4"/>
+                    </p:tgtEl>
+                  </p:cond>
+                </p:stCondLst>
+                <p:endSync evt="end" delay="0">
+                  <p:rtn val="all"/>
+                </p:endSync>
+                <p:childTnLst>
+                  <p:par>
+                    <p:cTn id="9" fill="hold">
+                      <p:stCondLst>
+                        <p:cond delay="0"/>
+                      </p:stCondLst>
+                      <p:childTnLst>
+                        <p:par>
+                          <p:cTn id="10" fill="hold">
+                            <p:stCondLst>
+                              <p:cond delay="0"/>
+                            </p:stCondLst>
+                            <p:childTnLst>
+                              <p:par>
+                                <p:cTn id="11" presetID="2" presetClass="mediacall" presetSubtype="0" fill="hold" nodeType="clickEffect">
+                                  <p:stCondLst>
+                                    <p:cond delay="0"/>
+                                  </p:stCondLst>
+                                  <p:childTnLst>
+                                    <p:cmd type="call" cmd="togglePause">
+                                      <p:cBhvr>
+                                        <p:cTn id="12" dur="1" fill="hold"/>
+                                        <p:tgtEl>
+                                          <p:spTgt spid="4"/>
+                                        </p:tgtEl>
+                                      </p:cBhvr>
+                                    </p:cmd>
+                                  </p:childTnLst>
+                                </p:cTn>
+                              </p:par>
+                            </p:childTnLst>
+                          </p:cTn>
+                        </p:par>
+                      </p:childTnLst>
+                    </p:cTn>
+                  </p:par>
+                </p:childTnLst>
+              </p:cTn>
+              <p:nextCondLst>
+                <p:cond evt="onClick" delay="0">
+                  <p:tgtEl>
+                    <p:spTgt spid="4"/>
+                  </p:tgtEl>
+                </p:cond>
+              </p:nextCondLst>
+            </p:seq>
+          </p:childTnLst>
+        </p:cTn>
+      </p:par>
+    </p:tnLst>
+  </p:timing>
+</p:sld>
+</file>
+
+<file path=ppt/slides/slide6.xml><?xml version="1.0" encoding="utf-8"?>
+<p:sld xmlns:a="http://schemas.openxmlformats.org/drawingml/2006/main" xmlns:r="http://schemas.openxmlformats.org/officeDocument/2006/relationships" xmlns:p="http://schemas.openxmlformats.org/presentationml/2006/main">
+  <p:cSld>
+    <p:spTree>
+      <p:nvGrpSpPr>
         <p:cNvPr id="1" name="Shape 197"/>
         <p:cNvGrpSpPr/>
         <p:nvPr/>
@@ -7748,7 +9812,7 @@
 </p:sld>
 </file>
 
-<file path=ppt/slides/slide3.xml><?xml version="1.0" encoding="utf-8"?>
+<file path=ppt/slides/slide7.xml><?xml version="1.0" encoding="utf-8"?>
 <p:sld xmlns:a="http://schemas.openxmlformats.org/drawingml/2006/main" xmlns:r="http://schemas.openxmlformats.org/officeDocument/2006/relationships" xmlns:p="http://schemas.openxmlformats.org/presentationml/2006/main">
   <p:cSld>
     <p:spTree>
@@ -8693,7 +10757,7 @@
 </p:sld>
 </file>
 
-<file path=ppt/slides/slide4.xml><?xml version="1.0" encoding="utf-8"?>
+<file path=ppt/slides/slide8.xml><?xml version="1.0" encoding="utf-8"?>
 <p:sld xmlns:a="http://schemas.openxmlformats.org/drawingml/2006/main" xmlns:r="http://schemas.openxmlformats.org/officeDocument/2006/relationships" xmlns:p="http://schemas.openxmlformats.org/presentationml/2006/main">
   <p:cSld>
     <p:spTree>
@@ -9559,7 +11623,7 @@
 </p:sld>
 </file>
 
-<file path=ppt/slides/slide5.xml><?xml version="1.0" encoding="utf-8"?>
+<file path=ppt/slides/slide9.xml><?xml version="1.0" encoding="utf-8"?>
 <p:sld xmlns:a="http://schemas.openxmlformats.org/drawingml/2006/main" xmlns:r="http://schemas.openxmlformats.org/officeDocument/2006/relationships" xmlns:p="http://schemas.openxmlformats.org/presentationml/2006/main">
   <p:cSld>
     <p:spTree>
@@ -10202,122 +12266,6 @@
     <p:extLst>
       <p:ext uri="{BB962C8B-B14F-4D97-AF65-F5344CB8AC3E}">
         <p14:creationId xmlns:p14="http://schemas.microsoft.com/office/powerpoint/2010/main" val="2471670885"/>
-      </p:ext>
-    </p:extLst>
-  </p:cSld>
-  <p:clrMapOvr>
-    <a:masterClrMapping/>
-  </p:clrMapOvr>
-  <p:transition>
-    <p:fade/>
-  </p:transition>
-</p:sld>
-</file>
-
-<file path=ppt/slides/slide6.xml><?xml version="1.0" encoding="utf-8"?>
-<p:sld xmlns:a="http://schemas.openxmlformats.org/drawingml/2006/main" xmlns:r="http://schemas.openxmlformats.org/officeDocument/2006/relationships" xmlns:p="http://schemas.openxmlformats.org/presentationml/2006/main">
-  <p:cSld>
-    <p:spTree>
-      <p:nvGrpSpPr>
-        <p:cNvPr id="1" name=""/>
-        <p:cNvGrpSpPr/>
-        <p:nvPr/>
-      </p:nvGrpSpPr>
-      <p:grpSpPr>
-        <a:xfrm>
-          <a:off x="0" y="0"/>
-          <a:ext cx="0" cy="0"/>
-          <a:chOff x="0" y="0"/>
-          <a:chExt cx="0" cy="0"/>
-        </a:xfrm>
-      </p:grpSpPr>
-      <p:sp>
-        <p:nvSpPr>
-          <p:cNvPr id="2" name="Title 1">
-            <a:extLst>
-              <a:ext uri="{FF2B5EF4-FFF2-40B4-BE49-F238E27FC236}">
-                <a16:creationId xmlns:a16="http://schemas.microsoft.com/office/drawing/2014/main" id="{52FF9DE8-28FC-EF4F-83F3-BC32521405D8}"/>
-              </a:ext>
-            </a:extLst>
-          </p:cNvPr>
-          <p:cNvSpPr>
-            <a:spLocks noGrp="1"/>
-          </p:cNvSpPr>
-          <p:nvPr>
-            <p:ph type="title"/>
-          </p:nvPr>
-        </p:nvSpPr>
-        <p:spPr/>
-        <p:txBody>
-          <a:bodyPr/>
-          <a:lstStyle/>
-          <a:p>
-            <a:r>
-              <a:rPr lang="en-US" dirty="0"/>
-              <a:t>Go Practice</a:t>
-            </a:r>
-          </a:p>
-        </p:txBody>
-      </p:sp>
-      <p:sp>
-        <p:nvSpPr>
-          <p:cNvPr id="3" name="Text Placeholder 2">
-            <a:extLst>
-              <a:ext uri="{FF2B5EF4-FFF2-40B4-BE49-F238E27FC236}">
-                <a16:creationId xmlns:a16="http://schemas.microsoft.com/office/drawing/2014/main" id="{7A89EBFB-EB41-4248-942D-90E1F56A9795}"/>
-              </a:ext>
-            </a:extLst>
-          </p:cNvPr>
-          <p:cNvSpPr>
-            <a:spLocks noGrp="1"/>
-          </p:cNvSpPr>
-          <p:nvPr>
-            <p:ph type="body" idx="1"/>
-          </p:nvPr>
-        </p:nvSpPr>
-        <p:spPr>
-          <a:xfrm>
-            <a:off x="628075" y="1920724"/>
-            <a:ext cx="7957125" cy="4378475"/>
-          </a:xfrm>
-        </p:spPr>
-        <p:txBody>
-          <a:bodyPr/>
-          <a:lstStyle/>
-          <a:p>
-            <a:r>
-              <a:rPr lang="en-US" dirty="0"/>
-              <a:t>No </a:t>
-            </a:r>
-            <a:r>
-              <a:rPr lang="en-US" dirty="0" err="1"/>
-              <a:t>codealong</a:t>
-            </a:r>
-            <a:r>
-              <a:rPr lang="en-US" dirty="0"/>
-              <a:t> for this set of slides</a:t>
-            </a:r>
-          </a:p>
-          <a:p>
-            <a:pPr lvl="1"/>
-            <a:r>
-              <a:rPr lang="en-US" dirty="0"/>
-              <a:t>Go practice! </a:t>
-            </a:r>
-          </a:p>
-          <a:p>
-            <a:pPr lvl="1"/>
-            <a:r>
-              <a:rPr lang="en-US" dirty="0"/>
-              <a:t>Most stuff you have done, and try applying it in different ways! </a:t>
-            </a:r>
-          </a:p>
-        </p:txBody>
-      </p:sp>
-    </p:spTree>
-    <p:extLst>
-      <p:ext uri="{BB962C8B-B14F-4D97-AF65-F5344CB8AC3E}">
-        <p14:creationId xmlns:p14="http://schemas.microsoft.com/office/powerpoint/2010/main" val="3783397934"/>
       </p:ext>
     </p:extLst>
   </p:cSld>

--- a/Slides/On-Campus/09_01_1and0AddUp.pptx
+++ b/Slides/On-Campus/09_01_1and0AddUp.pptx
@@ -5,21 +5,22 @@
     <p:sldMasterId id="2147483648" r:id="rId1"/>
   </p:sldMasterIdLst>
   <p:notesMasterIdLst>
-    <p:notesMasterId r:id="rId11"/>
+    <p:notesMasterId r:id="rId12"/>
   </p:notesMasterIdLst>
   <p:handoutMasterIdLst>
-    <p:handoutMasterId r:id="rId12"/>
+    <p:handoutMasterId r:id="rId13"/>
   </p:handoutMasterIdLst>
   <p:sldIdLst>
     <p:sldId id="256" r:id="rId2"/>
-    <p:sldId id="257" r:id="rId3"/>
-    <p:sldId id="258" r:id="rId4"/>
-    <p:sldId id="264" r:id="rId5"/>
-    <p:sldId id="265" r:id="rId6"/>
-    <p:sldId id="259" r:id="rId7"/>
-    <p:sldId id="260" r:id="rId8"/>
-    <p:sldId id="261" r:id="rId9"/>
-    <p:sldId id="262" r:id="rId10"/>
+    <p:sldId id="274" r:id="rId3"/>
+    <p:sldId id="257" r:id="rId4"/>
+    <p:sldId id="258" r:id="rId5"/>
+    <p:sldId id="264" r:id="rId6"/>
+    <p:sldId id="265" r:id="rId7"/>
+    <p:sldId id="259" r:id="rId8"/>
+    <p:sldId id="260" r:id="rId9"/>
+    <p:sldId id="261" r:id="rId10"/>
+    <p:sldId id="262" r:id="rId11"/>
   </p:sldIdLst>
   <p:sldSz cx="13817600" cy="7772400"/>
   <p:notesSz cx="6858000" cy="9144000"/>
@@ -222,7 +223,7 @@
           <a:p>
             <a:fld id="{4D7E51A5-B478-1E40-8CBB-0DAA8831E99D}" type="datetimeFigureOut">
               <a:rPr lang="en-US" smtClean="0"/>
-              <a:t>10/13/2021</a:t>
+              <a:t>10/18/2021</a:t>
             </a:fld>
             <a:endParaRPr lang="en-US"/>
           </a:p>
@@ -387,7 +388,7 @@
           <a:p>
             <a:fld id="{D0ED587F-861E-6740-9643-E3DDAE89B8D6}" type="datetimeFigureOut">
               <a:rPr lang="en-US" smtClean="0"/>
-              <a:t>10/13/2021</a:t>
+              <a:t>10/18/2021</a:t>
             </a:fld>
             <a:endParaRPr lang="en-US"/>
           </a:p>
@@ -7828,7 +7829,973 @@
 </p:sld>
 </file>
 
+<file path=ppt/slides/slide10.xml><?xml version="1.0" encoding="utf-8"?>
+<p:sld xmlns:a="http://schemas.openxmlformats.org/drawingml/2006/main" xmlns:r="http://schemas.openxmlformats.org/officeDocument/2006/relationships" xmlns:p="http://schemas.openxmlformats.org/presentationml/2006/main">
+  <p:cSld>
+    <p:spTree>
+      <p:nvGrpSpPr>
+        <p:cNvPr id="1" name=""/>
+        <p:cNvGrpSpPr/>
+        <p:nvPr/>
+      </p:nvGrpSpPr>
+      <p:grpSpPr>
+        <a:xfrm>
+          <a:off x="0" y="0"/>
+          <a:ext cx="0" cy="0"/>
+          <a:chOff x="0" y="0"/>
+          <a:chExt cx="0" cy="0"/>
+        </a:xfrm>
+      </p:grpSpPr>
+      <p:sp>
+        <p:nvSpPr>
+          <p:cNvPr id="2" name="Title 1">
+            <a:extLst>
+              <a:ext uri="{FF2B5EF4-FFF2-40B4-BE49-F238E27FC236}">
+                <a16:creationId xmlns:a16="http://schemas.microsoft.com/office/drawing/2014/main" id="{9B3FAC86-3CB9-304D-82BC-1A4F1D06B513}"/>
+              </a:ext>
+            </a:extLst>
+          </p:cNvPr>
+          <p:cNvSpPr>
+            <a:spLocks noGrp="1"/>
+          </p:cNvSpPr>
+          <p:nvPr>
+            <p:ph type="title"/>
+          </p:nvPr>
+        </p:nvSpPr>
+        <p:spPr/>
+        <p:txBody>
+          <a:bodyPr/>
+          <a:lstStyle/>
+          <a:p>
+            <a:r>
+              <a:rPr lang="en-US" dirty="0"/>
+              <a:t>Python Types?</a:t>
+            </a:r>
+          </a:p>
+        </p:txBody>
+      </p:sp>
+      <p:sp>
+        <p:nvSpPr>
+          <p:cNvPr id="3" name="Text Placeholder 2">
+            <a:extLst>
+              <a:ext uri="{FF2B5EF4-FFF2-40B4-BE49-F238E27FC236}">
+                <a16:creationId xmlns:a16="http://schemas.microsoft.com/office/drawing/2014/main" id="{DB96B928-2166-3146-9D7C-78A6DDA0C2ED}"/>
+              </a:ext>
+            </a:extLst>
+          </p:cNvPr>
+          <p:cNvSpPr>
+            <a:spLocks noGrp="1"/>
+          </p:cNvSpPr>
+          <p:nvPr>
+            <p:ph type="body" idx="1"/>
+          </p:nvPr>
+        </p:nvSpPr>
+        <p:spPr>
+          <a:xfrm>
+            <a:off x="628075" y="1766856"/>
+            <a:ext cx="7042725" cy="5446744"/>
+          </a:xfrm>
+        </p:spPr>
+        <p:txBody>
+          <a:bodyPr/>
+          <a:lstStyle/>
+          <a:p>
+            <a:r>
+              <a:rPr lang="en-US" dirty="0"/>
+              <a:t>numeric</a:t>
+            </a:r>
+          </a:p>
+          <a:p>
+            <a:pPr lvl="1"/>
+            <a:r>
+              <a:rPr lang="en-US" dirty="0"/>
+              <a:t>int</a:t>
+            </a:r>
+          </a:p>
+          <a:p>
+            <a:pPr lvl="2"/>
+            <a:r>
+              <a:rPr lang="en-US" dirty="0"/>
+              <a:t>You can change the ‘base’ with a second argument</a:t>
+            </a:r>
+          </a:p>
+          <a:p>
+            <a:pPr lvl="1"/>
+            <a:r>
+              <a:rPr lang="en-US" dirty="0"/>
+              <a:t>float</a:t>
+            </a:r>
+          </a:p>
+          <a:p>
+            <a:pPr lvl="1"/>
+            <a:r>
+              <a:rPr lang="en-US" dirty="0"/>
+              <a:t>bin </a:t>
+            </a:r>
+          </a:p>
+          <a:p>
+            <a:pPr lvl="2"/>
+            <a:r>
+              <a:rPr lang="en-US" dirty="0"/>
+              <a:t>not in the book, coverts number to binary</a:t>
+            </a:r>
+          </a:p>
+          <a:p>
+            <a:pPr lvl="2"/>
+            <a:r>
+              <a:rPr lang="en-US" dirty="0"/>
+              <a:t>also, you can set a value as binary by leading with 0b</a:t>
+            </a:r>
+          </a:p>
+          <a:p>
+            <a:r>
+              <a:rPr lang="en-US" dirty="0"/>
+              <a:t>sequential </a:t>
+            </a:r>
+          </a:p>
+          <a:p>
+            <a:pPr lvl="1"/>
+            <a:r>
+              <a:rPr lang="en-US" dirty="0"/>
+              <a:t>string</a:t>
+            </a:r>
+          </a:p>
+          <a:p>
+            <a:pPr lvl="1"/>
+            <a:r>
+              <a:rPr lang="en-US" dirty="0"/>
+              <a:t>list</a:t>
+            </a:r>
+          </a:p>
+          <a:p>
+            <a:pPr lvl="1"/>
+            <a:r>
+              <a:rPr lang="en-US" dirty="0"/>
+              <a:t>tuple</a:t>
+            </a:r>
+          </a:p>
+          <a:p>
+            <a:pPr lvl="1"/>
+            <a:r>
+              <a:rPr lang="en-US" dirty="0"/>
+              <a:t>set (list, with unique values only)</a:t>
+            </a:r>
+          </a:p>
+          <a:p>
+            <a:pPr lvl="1"/>
+            <a:r>
+              <a:rPr lang="en-US" dirty="0" err="1"/>
+              <a:t>dict</a:t>
+            </a:r>
+            <a:r>
+              <a:rPr lang="en-US" dirty="0"/>
+              <a:t> </a:t>
+            </a:r>
+          </a:p>
+          <a:p>
+            <a:pPr lvl="2"/>
+            <a:r>
+              <a:rPr lang="en-US" dirty="0"/>
+              <a:t>We will come back to </a:t>
+            </a:r>
+            <a:r>
+              <a:rPr lang="en-US" dirty="0" err="1"/>
+              <a:t>dict</a:t>
+            </a:r>
+            <a:r>
+              <a:rPr lang="en-US" dirty="0"/>
+              <a:t> - maps indices to names!</a:t>
+            </a:r>
+          </a:p>
+        </p:txBody>
+      </p:sp>
+      <p:sp>
+        <p:nvSpPr>
+          <p:cNvPr id="5" name="TextBox 4">
+            <a:extLst>
+              <a:ext uri="{FF2B5EF4-FFF2-40B4-BE49-F238E27FC236}">
+                <a16:creationId xmlns:a16="http://schemas.microsoft.com/office/drawing/2014/main" id="{4C80B60B-C9A8-464F-AC22-32C64D354A5D}"/>
+              </a:ext>
+            </a:extLst>
+          </p:cNvPr>
+          <p:cNvSpPr txBox="1"/>
+          <p:nvPr/>
+        </p:nvSpPr>
+        <p:spPr>
+          <a:xfrm>
+            <a:off x="8521699" y="1562100"/>
+            <a:ext cx="4394201" cy="2554545"/>
+          </a:xfrm>
+          <a:prstGeom prst="rect">
+            <a:avLst/>
+          </a:prstGeom>
+          <a:noFill/>
+        </p:spPr>
+        <p:txBody>
+          <a:bodyPr wrap="square">
+            <a:spAutoFit/>
+          </a:bodyPr>
+          <a:lstStyle/>
+          <a:p>
+            <a:r>
+              <a:rPr lang="en-US" dirty="0" err="1">
+                <a:latin typeface="Consolas" panose="020B0609020204030204" pitchFamily="49" charset="0"/>
+                <a:cs typeface="Consolas" panose="020B0609020204030204" pitchFamily="49" charset="0"/>
+              </a:rPr>
+              <a:t>val</a:t>
+            </a:r>
+            <a:r>
+              <a:rPr lang="en-US" dirty="0">
+                <a:latin typeface="Consolas" panose="020B0609020204030204" pitchFamily="49" charset="0"/>
+                <a:cs typeface="Consolas" panose="020B0609020204030204" pitchFamily="49" charset="0"/>
+              </a:rPr>
+              <a:t> = </a:t>
+            </a:r>
+            <a:r>
+              <a:rPr lang="en-US" dirty="0">
+                <a:solidFill>
+                  <a:srgbClr val="8888C6"/>
+                </a:solidFill>
+                <a:effectLst/>
+                <a:latin typeface="Consolas" panose="020B0609020204030204" pitchFamily="49" charset="0"/>
+                <a:cs typeface="Consolas" panose="020B0609020204030204" pitchFamily="49" charset="0"/>
+              </a:rPr>
+              <a:t>bin</a:t>
+            </a:r>
+            <a:r>
+              <a:rPr lang="en-US" dirty="0">
+                <a:latin typeface="Consolas" panose="020B0609020204030204" pitchFamily="49" charset="0"/>
+                <a:cs typeface="Consolas" panose="020B0609020204030204" pitchFamily="49" charset="0"/>
+              </a:rPr>
+              <a:t>(</a:t>
+            </a:r>
+            <a:r>
+              <a:rPr lang="en-US" dirty="0">
+                <a:solidFill>
+                  <a:srgbClr val="6897BB"/>
+                </a:solidFill>
+                <a:effectLst/>
+                <a:latin typeface="Consolas" panose="020B0609020204030204" pitchFamily="49" charset="0"/>
+                <a:cs typeface="Consolas" panose="020B0609020204030204" pitchFamily="49" charset="0"/>
+              </a:rPr>
+              <a:t>15</a:t>
+            </a:r>
+            <a:r>
+              <a:rPr lang="en-US" dirty="0">
+                <a:latin typeface="Consolas" panose="020B0609020204030204" pitchFamily="49" charset="0"/>
+                <a:cs typeface="Consolas" panose="020B0609020204030204" pitchFamily="49" charset="0"/>
+              </a:rPr>
+              <a:t>)</a:t>
+            </a:r>
+            <a:br>
+              <a:rPr lang="en-US" dirty="0">
+                <a:latin typeface="Consolas" panose="020B0609020204030204" pitchFamily="49" charset="0"/>
+                <a:cs typeface="Consolas" panose="020B0609020204030204" pitchFamily="49" charset="0"/>
+              </a:rPr>
+            </a:br>
+            <a:r>
+              <a:rPr lang="en-US" dirty="0">
+                <a:solidFill>
+                  <a:srgbClr val="8888C6"/>
+                </a:solidFill>
+                <a:effectLst/>
+                <a:latin typeface="Consolas" panose="020B0609020204030204" pitchFamily="49" charset="0"/>
+                <a:cs typeface="Consolas" panose="020B0609020204030204" pitchFamily="49" charset="0"/>
+              </a:rPr>
+              <a:t>print</a:t>
+            </a:r>
+            <a:r>
+              <a:rPr lang="en-US" dirty="0">
+                <a:latin typeface="Consolas" panose="020B0609020204030204" pitchFamily="49" charset="0"/>
+                <a:cs typeface="Consolas" panose="020B0609020204030204" pitchFamily="49" charset="0"/>
+              </a:rPr>
+              <a:t>(</a:t>
+            </a:r>
+            <a:r>
+              <a:rPr lang="en-US" dirty="0" err="1">
+                <a:latin typeface="Consolas" panose="020B0609020204030204" pitchFamily="49" charset="0"/>
+                <a:cs typeface="Consolas" panose="020B0609020204030204" pitchFamily="49" charset="0"/>
+              </a:rPr>
+              <a:t>val</a:t>
+            </a:r>
+            <a:r>
+              <a:rPr lang="en-US" dirty="0">
+                <a:latin typeface="Consolas" panose="020B0609020204030204" pitchFamily="49" charset="0"/>
+                <a:cs typeface="Consolas" panose="020B0609020204030204" pitchFamily="49" charset="0"/>
+              </a:rPr>
+              <a:t>) </a:t>
+            </a:r>
+            <a:r>
+              <a:rPr lang="en-US" dirty="0">
+                <a:solidFill>
+                  <a:srgbClr val="808080"/>
+                </a:solidFill>
+                <a:effectLst/>
+                <a:latin typeface="Consolas" panose="020B0609020204030204" pitchFamily="49" charset="0"/>
+                <a:cs typeface="Consolas" panose="020B0609020204030204" pitchFamily="49" charset="0"/>
+              </a:rPr>
+              <a:t># 0b1111</a:t>
+            </a:r>
+            <a:br>
+              <a:rPr lang="en-US" dirty="0">
+                <a:solidFill>
+                  <a:srgbClr val="808080"/>
+                </a:solidFill>
+                <a:effectLst/>
+                <a:latin typeface="Consolas" panose="020B0609020204030204" pitchFamily="49" charset="0"/>
+                <a:cs typeface="Consolas" panose="020B0609020204030204" pitchFamily="49" charset="0"/>
+              </a:rPr>
+            </a:br>
+            <a:r>
+              <a:rPr lang="en-US" dirty="0" err="1">
+                <a:latin typeface="Consolas" panose="020B0609020204030204" pitchFamily="49" charset="0"/>
+                <a:cs typeface="Consolas" panose="020B0609020204030204" pitchFamily="49" charset="0"/>
+              </a:rPr>
+              <a:t>val</a:t>
+            </a:r>
+            <a:r>
+              <a:rPr lang="en-US" dirty="0">
+                <a:latin typeface="Consolas" panose="020B0609020204030204" pitchFamily="49" charset="0"/>
+                <a:cs typeface="Consolas" panose="020B0609020204030204" pitchFamily="49" charset="0"/>
+              </a:rPr>
+              <a:t> = </a:t>
+            </a:r>
+            <a:r>
+              <a:rPr lang="en-US" dirty="0">
+                <a:solidFill>
+                  <a:srgbClr val="8888C6"/>
+                </a:solidFill>
+                <a:effectLst/>
+                <a:latin typeface="Consolas" panose="020B0609020204030204" pitchFamily="49" charset="0"/>
+                <a:cs typeface="Consolas" panose="020B0609020204030204" pitchFamily="49" charset="0"/>
+              </a:rPr>
+              <a:t>bin</a:t>
+            </a:r>
+            <a:r>
+              <a:rPr lang="en-US" dirty="0">
+                <a:latin typeface="Consolas" panose="020B0609020204030204" pitchFamily="49" charset="0"/>
+                <a:cs typeface="Consolas" panose="020B0609020204030204" pitchFamily="49" charset="0"/>
+              </a:rPr>
+              <a:t>(</a:t>
+            </a:r>
+            <a:r>
+              <a:rPr lang="en-US" dirty="0">
+                <a:solidFill>
+                  <a:srgbClr val="6897BB"/>
+                </a:solidFill>
+                <a:effectLst/>
+                <a:latin typeface="Consolas" panose="020B0609020204030204" pitchFamily="49" charset="0"/>
+                <a:cs typeface="Consolas" panose="020B0609020204030204" pitchFamily="49" charset="0"/>
+              </a:rPr>
+              <a:t>136</a:t>
+            </a:r>
+            <a:r>
+              <a:rPr lang="en-US" dirty="0">
+                <a:latin typeface="Consolas" panose="020B0609020204030204" pitchFamily="49" charset="0"/>
+                <a:cs typeface="Consolas" panose="020B0609020204030204" pitchFamily="49" charset="0"/>
+              </a:rPr>
+              <a:t>)</a:t>
+            </a:r>
+            <a:br>
+              <a:rPr lang="en-US" dirty="0">
+                <a:latin typeface="Consolas" panose="020B0609020204030204" pitchFamily="49" charset="0"/>
+                <a:cs typeface="Consolas" panose="020B0609020204030204" pitchFamily="49" charset="0"/>
+              </a:rPr>
+            </a:br>
+            <a:r>
+              <a:rPr lang="en-US" dirty="0">
+                <a:solidFill>
+                  <a:srgbClr val="8888C6"/>
+                </a:solidFill>
+                <a:effectLst/>
+                <a:latin typeface="Consolas" panose="020B0609020204030204" pitchFamily="49" charset="0"/>
+                <a:cs typeface="Consolas" panose="020B0609020204030204" pitchFamily="49" charset="0"/>
+              </a:rPr>
+              <a:t>print</a:t>
+            </a:r>
+            <a:r>
+              <a:rPr lang="en-US" dirty="0">
+                <a:latin typeface="Consolas" panose="020B0609020204030204" pitchFamily="49" charset="0"/>
+                <a:cs typeface="Consolas" panose="020B0609020204030204" pitchFamily="49" charset="0"/>
+              </a:rPr>
+              <a:t>(</a:t>
+            </a:r>
+            <a:r>
+              <a:rPr lang="en-US" dirty="0" err="1">
+                <a:latin typeface="Consolas" panose="020B0609020204030204" pitchFamily="49" charset="0"/>
+                <a:cs typeface="Consolas" panose="020B0609020204030204" pitchFamily="49" charset="0"/>
+              </a:rPr>
+              <a:t>val</a:t>
+            </a:r>
+            <a:r>
+              <a:rPr lang="en-US" dirty="0">
+                <a:latin typeface="Consolas" panose="020B0609020204030204" pitchFamily="49" charset="0"/>
+                <a:cs typeface="Consolas" panose="020B0609020204030204" pitchFamily="49" charset="0"/>
+              </a:rPr>
+              <a:t>) </a:t>
+            </a:r>
+            <a:r>
+              <a:rPr lang="en-US" dirty="0">
+                <a:solidFill>
+                  <a:srgbClr val="808080"/>
+                </a:solidFill>
+                <a:effectLst/>
+                <a:latin typeface="Consolas" panose="020B0609020204030204" pitchFamily="49" charset="0"/>
+                <a:cs typeface="Consolas" panose="020B0609020204030204" pitchFamily="49" charset="0"/>
+              </a:rPr>
+              <a:t># 0b10001000</a:t>
+            </a:r>
+          </a:p>
+          <a:p>
+            <a:r>
+              <a:rPr lang="en-US" dirty="0">
+                <a:solidFill>
+                  <a:srgbClr val="8888C6"/>
+                </a:solidFill>
+                <a:latin typeface="Consolas" panose="020B0609020204030204" pitchFamily="49" charset="0"/>
+                <a:cs typeface="Consolas" panose="020B0609020204030204" pitchFamily="49" charset="0"/>
+              </a:rPr>
+              <a:t>print</a:t>
+            </a:r>
+            <a:r>
+              <a:rPr lang="en-US" dirty="0">
+                <a:latin typeface="Consolas" panose="020B0609020204030204" pitchFamily="49" charset="0"/>
+                <a:cs typeface="Consolas" panose="020B0609020204030204" pitchFamily="49" charset="0"/>
+              </a:rPr>
+              <a:t>(</a:t>
+            </a:r>
+            <a:r>
+              <a:rPr lang="en-US" dirty="0" err="1">
+                <a:latin typeface="Consolas" panose="020B0609020204030204" pitchFamily="49" charset="0"/>
+                <a:cs typeface="Consolas" panose="020B0609020204030204" pitchFamily="49" charset="0"/>
+              </a:rPr>
+              <a:t>val</a:t>
+            </a:r>
+            <a:r>
+              <a:rPr lang="en-US" dirty="0">
+                <a:latin typeface="Consolas" panose="020B0609020204030204" pitchFamily="49" charset="0"/>
+                <a:cs typeface="Consolas" panose="020B0609020204030204" pitchFamily="49" charset="0"/>
+              </a:rPr>
+              <a:t>[2:]) </a:t>
+            </a:r>
+            <a:r>
+              <a:rPr lang="en-US" dirty="0">
+                <a:solidFill>
+                  <a:srgbClr val="808080"/>
+                </a:solidFill>
+                <a:latin typeface="Consolas" panose="020B0609020204030204" pitchFamily="49" charset="0"/>
+                <a:cs typeface="Consolas" panose="020B0609020204030204" pitchFamily="49" charset="0"/>
+              </a:rPr>
+              <a:t># 10001000</a:t>
+            </a:r>
+          </a:p>
+          <a:p>
+            <a:r>
+              <a:rPr lang="en-US" dirty="0">
+                <a:solidFill>
+                  <a:srgbClr val="8888C6"/>
+                </a:solidFill>
+                <a:latin typeface="Consolas" panose="020B0609020204030204" pitchFamily="49" charset="0"/>
+                <a:cs typeface="Consolas" panose="020B0609020204030204" pitchFamily="49" charset="0"/>
+              </a:rPr>
+              <a:t>print</a:t>
+            </a:r>
+            <a:r>
+              <a:rPr lang="en-US" dirty="0">
+                <a:latin typeface="Consolas" panose="020B0609020204030204" pitchFamily="49" charset="0"/>
+                <a:cs typeface="Consolas" panose="020B0609020204030204" pitchFamily="49" charset="0"/>
+              </a:rPr>
+              <a:t>(</a:t>
+            </a:r>
+            <a:r>
+              <a:rPr lang="en-US" dirty="0">
+                <a:solidFill>
+                  <a:srgbClr val="8888C6"/>
+                </a:solidFill>
+                <a:latin typeface="Consolas" panose="020B0609020204030204" pitchFamily="49" charset="0"/>
+                <a:cs typeface="Consolas" panose="020B0609020204030204" pitchFamily="49" charset="0"/>
+              </a:rPr>
+              <a:t>int</a:t>
+            </a:r>
+            <a:r>
+              <a:rPr lang="en-US" dirty="0">
+                <a:latin typeface="Consolas" panose="020B0609020204030204" pitchFamily="49" charset="0"/>
+                <a:cs typeface="Consolas" panose="020B0609020204030204" pitchFamily="49" charset="0"/>
+              </a:rPr>
+              <a:t>(</a:t>
+            </a:r>
+            <a:r>
+              <a:rPr lang="en-US" dirty="0" err="1">
+                <a:latin typeface="Consolas" panose="020B0609020204030204" pitchFamily="49" charset="0"/>
+                <a:cs typeface="Consolas" panose="020B0609020204030204" pitchFamily="49" charset="0"/>
+              </a:rPr>
+              <a:t>val</a:t>
+            </a:r>
+            <a:r>
+              <a:rPr lang="en-US" dirty="0">
+                <a:solidFill>
+                  <a:srgbClr val="CC7832"/>
+                </a:solidFill>
+                <a:latin typeface="Consolas" panose="020B0609020204030204" pitchFamily="49" charset="0"/>
+                <a:cs typeface="Consolas" panose="020B0609020204030204" pitchFamily="49" charset="0"/>
+              </a:rPr>
+              <a:t>, </a:t>
+            </a:r>
+            <a:r>
+              <a:rPr lang="en-US" dirty="0">
+                <a:solidFill>
+                  <a:srgbClr val="6897BB"/>
+                </a:solidFill>
+                <a:latin typeface="Consolas" panose="020B0609020204030204" pitchFamily="49" charset="0"/>
+                <a:cs typeface="Consolas" panose="020B0609020204030204" pitchFamily="49" charset="0"/>
+              </a:rPr>
+              <a:t>2</a:t>
+            </a:r>
+            <a:r>
+              <a:rPr lang="en-US" dirty="0">
+                <a:latin typeface="Consolas" panose="020B0609020204030204" pitchFamily="49" charset="0"/>
+                <a:cs typeface="Consolas" panose="020B0609020204030204" pitchFamily="49" charset="0"/>
+              </a:rPr>
+              <a:t>)) </a:t>
+            </a:r>
+            <a:r>
+              <a:rPr lang="en-US" dirty="0">
+                <a:solidFill>
+                  <a:srgbClr val="808080"/>
+                </a:solidFill>
+                <a:latin typeface="Consolas" panose="020B0609020204030204" pitchFamily="49" charset="0"/>
+                <a:cs typeface="Consolas" panose="020B0609020204030204" pitchFamily="49" charset="0"/>
+              </a:rPr>
+              <a:t># 135</a:t>
+            </a:r>
+          </a:p>
+          <a:p>
+            <a:r>
+              <a:rPr lang="en-US" dirty="0" err="1">
+                <a:latin typeface="Consolas" panose="020B0609020204030204" pitchFamily="49" charset="0"/>
+                <a:cs typeface="Consolas" panose="020B0609020204030204" pitchFamily="49" charset="0"/>
+              </a:rPr>
+              <a:t>val</a:t>
+            </a:r>
+            <a:r>
+              <a:rPr lang="en-US" dirty="0">
+                <a:latin typeface="Consolas" panose="020B0609020204030204" pitchFamily="49" charset="0"/>
+                <a:cs typeface="Consolas" panose="020B0609020204030204" pitchFamily="49" charset="0"/>
+              </a:rPr>
+              <a:t> = </a:t>
+            </a:r>
+            <a:r>
+              <a:rPr lang="en-US" dirty="0">
+                <a:solidFill>
+                  <a:srgbClr val="6897BB"/>
+                </a:solidFill>
+                <a:latin typeface="Consolas" panose="020B0609020204030204" pitchFamily="49" charset="0"/>
+                <a:cs typeface="Consolas" panose="020B0609020204030204" pitchFamily="49" charset="0"/>
+              </a:rPr>
+              <a:t>0b111</a:t>
+            </a:r>
+            <a:br>
+              <a:rPr lang="en-US" dirty="0">
+                <a:solidFill>
+                  <a:srgbClr val="6897BB"/>
+                </a:solidFill>
+                <a:latin typeface="Consolas" panose="020B0609020204030204" pitchFamily="49" charset="0"/>
+                <a:cs typeface="Consolas" panose="020B0609020204030204" pitchFamily="49" charset="0"/>
+              </a:rPr>
+            </a:br>
+            <a:r>
+              <a:rPr lang="en-US" dirty="0">
+                <a:solidFill>
+                  <a:srgbClr val="8888C6"/>
+                </a:solidFill>
+                <a:latin typeface="Consolas" panose="020B0609020204030204" pitchFamily="49" charset="0"/>
+                <a:cs typeface="Consolas" panose="020B0609020204030204" pitchFamily="49" charset="0"/>
+              </a:rPr>
+              <a:t>print</a:t>
+            </a:r>
+            <a:r>
+              <a:rPr lang="en-US" dirty="0">
+                <a:latin typeface="Consolas" panose="020B0609020204030204" pitchFamily="49" charset="0"/>
+                <a:cs typeface="Consolas" panose="020B0609020204030204" pitchFamily="49" charset="0"/>
+              </a:rPr>
+              <a:t>(</a:t>
+            </a:r>
+            <a:r>
+              <a:rPr lang="en-US" dirty="0">
+                <a:solidFill>
+                  <a:srgbClr val="8888C6"/>
+                </a:solidFill>
+                <a:latin typeface="Consolas" panose="020B0609020204030204" pitchFamily="49" charset="0"/>
+                <a:cs typeface="Consolas" panose="020B0609020204030204" pitchFamily="49" charset="0"/>
+              </a:rPr>
+              <a:t>int</a:t>
+            </a:r>
+            <a:r>
+              <a:rPr lang="en-US" dirty="0">
+                <a:latin typeface="Consolas" panose="020B0609020204030204" pitchFamily="49" charset="0"/>
+                <a:cs typeface="Consolas" panose="020B0609020204030204" pitchFamily="49" charset="0"/>
+              </a:rPr>
+              <a:t>(</a:t>
+            </a:r>
+            <a:r>
+              <a:rPr lang="en-US" dirty="0" err="1">
+                <a:latin typeface="Consolas" panose="020B0609020204030204" pitchFamily="49" charset="0"/>
+                <a:cs typeface="Consolas" panose="020B0609020204030204" pitchFamily="49" charset="0"/>
+              </a:rPr>
+              <a:t>val</a:t>
+            </a:r>
+            <a:r>
+              <a:rPr lang="en-US" dirty="0">
+                <a:latin typeface="Consolas" panose="020B0609020204030204" pitchFamily="49" charset="0"/>
+                <a:cs typeface="Consolas" panose="020B0609020204030204" pitchFamily="49" charset="0"/>
+              </a:rPr>
+              <a:t>)) </a:t>
+            </a:r>
+            <a:r>
+              <a:rPr lang="en-US" dirty="0">
+                <a:solidFill>
+                  <a:srgbClr val="808080"/>
+                </a:solidFill>
+                <a:latin typeface="Consolas" panose="020B0609020204030204" pitchFamily="49" charset="0"/>
+                <a:cs typeface="Consolas" panose="020B0609020204030204" pitchFamily="49" charset="0"/>
+              </a:rPr>
+              <a:t># 7</a:t>
+            </a:r>
+            <a:endParaRPr lang="en-US" dirty="0">
+              <a:latin typeface="Consolas" panose="020B0609020204030204" pitchFamily="49" charset="0"/>
+              <a:cs typeface="Consolas" panose="020B0609020204030204" pitchFamily="49" charset="0"/>
+            </a:endParaRPr>
+          </a:p>
+        </p:txBody>
+      </p:sp>
+    </p:spTree>
+    <p:extLst>
+      <p:ext uri="{BB962C8B-B14F-4D97-AF65-F5344CB8AC3E}">
+        <p14:creationId xmlns:p14="http://schemas.microsoft.com/office/powerpoint/2010/main" val="2471670885"/>
+      </p:ext>
+    </p:extLst>
+  </p:cSld>
+  <p:clrMapOvr>
+    <a:masterClrMapping/>
+  </p:clrMapOvr>
+  <p:transition>
+    <p:fade/>
+  </p:transition>
+</p:sld>
+</file>
+
 <file path=ppt/slides/slide2.xml><?xml version="1.0" encoding="utf-8"?>
+<p:sld xmlns:a="http://schemas.openxmlformats.org/drawingml/2006/main" xmlns:r="http://schemas.openxmlformats.org/officeDocument/2006/relationships" xmlns:p="http://schemas.openxmlformats.org/presentationml/2006/main">
+  <p:cSld>
+    <p:spTree>
+      <p:nvGrpSpPr>
+        <p:cNvPr id="1" name=""/>
+        <p:cNvGrpSpPr/>
+        <p:nvPr/>
+      </p:nvGrpSpPr>
+      <p:grpSpPr>
+        <a:xfrm>
+          <a:off x="0" y="0"/>
+          <a:ext cx="0" cy="0"/>
+          <a:chOff x="0" y="0"/>
+          <a:chExt cx="0" cy="0"/>
+        </a:xfrm>
+      </p:grpSpPr>
+      <p:sp>
+        <p:nvSpPr>
+          <p:cNvPr id="4" name="Title 3">
+            <a:extLst>
+              <a:ext uri="{FF2B5EF4-FFF2-40B4-BE49-F238E27FC236}">
+                <a16:creationId xmlns:a16="http://schemas.microsoft.com/office/drawing/2014/main" id="{119AD8F2-D5DB-A84B-A5B3-F7935E3E6D1D}"/>
+              </a:ext>
+            </a:extLst>
+          </p:cNvPr>
+          <p:cNvSpPr>
+            <a:spLocks noGrp="1"/>
+          </p:cNvSpPr>
+          <p:nvPr>
+            <p:ph type="title"/>
+          </p:nvPr>
+        </p:nvSpPr>
+        <p:spPr>
+          <a:xfrm>
+            <a:off x="628076" y="607804"/>
+            <a:ext cx="5642096" cy="916848"/>
+          </a:xfrm>
+        </p:spPr>
+        <p:txBody>
+          <a:bodyPr/>
+          <a:lstStyle/>
+          <a:p>
+            <a:r>
+              <a:rPr lang="en-US" dirty="0"/>
+              <a:t>Announcements</a:t>
+            </a:r>
+          </a:p>
+        </p:txBody>
+      </p:sp>
+      <p:sp>
+        <p:nvSpPr>
+          <p:cNvPr id="5" name="Text Placeholder 4">
+            <a:extLst>
+              <a:ext uri="{FF2B5EF4-FFF2-40B4-BE49-F238E27FC236}">
+                <a16:creationId xmlns:a16="http://schemas.microsoft.com/office/drawing/2014/main" id="{1BBD0DB5-379A-304F-9307-E7B1A89B08F7}"/>
+              </a:ext>
+            </a:extLst>
+          </p:cNvPr>
+          <p:cNvSpPr>
+            <a:spLocks noGrp="1"/>
+          </p:cNvSpPr>
+          <p:nvPr>
+            <p:ph type="body" idx="1"/>
+          </p:nvPr>
+        </p:nvSpPr>
+        <p:spPr>
+          <a:xfrm>
+            <a:off x="628075" y="1647163"/>
+            <a:ext cx="8395419" cy="4379259"/>
+          </a:xfrm>
+        </p:spPr>
+        <p:txBody>
+          <a:bodyPr/>
+          <a:lstStyle/>
+          <a:p>
+            <a:pPr marL="930762" lvl="1" indent="0">
+              <a:buNone/>
+            </a:pPr>
+            <a:endParaRPr lang="en-US" dirty="0"/>
+          </a:p>
+          <a:p>
+            <a:r>
+              <a:rPr lang="en-US" dirty="0"/>
+              <a:t>Reminder – readings are due </a:t>
+            </a:r>
+            <a:r>
+              <a:rPr lang="en-US" b="1" dirty="0"/>
+              <a:t>before</a:t>
+            </a:r>
+            <a:r>
+              <a:rPr lang="en-US" dirty="0"/>
+              <a:t> lecture</a:t>
+            </a:r>
+          </a:p>
+          <a:p>
+            <a:pPr lvl="1"/>
+            <a:r>
+              <a:rPr lang="en-US" dirty="0"/>
+              <a:t>You don’t have to do all of it - challenge problems can be challenging…</a:t>
+            </a:r>
+          </a:p>
+          <a:p>
+            <a:pPr lvl="1"/>
+            <a:r>
+              <a:rPr lang="en-US" dirty="0"/>
+              <a:t>You can return to them. </a:t>
+            </a:r>
+          </a:p>
+          <a:p>
+            <a:pPr lvl="1"/>
+            <a:r>
+              <a:rPr lang="en-US" dirty="0"/>
+              <a:t>We start off each lecture with a quiz from your reading! </a:t>
+            </a:r>
+          </a:p>
+          <a:p>
+            <a:r>
+              <a:rPr lang="en-US" dirty="0"/>
+              <a:t>Make sure to review knowledge checks and spread out their use! </a:t>
+            </a:r>
+          </a:p>
+          <a:p>
+            <a:r>
+              <a:rPr lang="en-US" dirty="0"/>
+              <a:t>Grade on Midterm 83% - great job, but more importantly</a:t>
+            </a:r>
+          </a:p>
+          <a:p>
+            <a:pPr lvl="1"/>
+            <a:r>
+              <a:rPr lang="en-US" dirty="0"/>
+              <a:t>Hope this reminds you to keep coming </a:t>
+            </a:r>
+            <a:r>
+              <a:rPr lang="en-US"/>
+              <a:t>to class and keeping up! </a:t>
+            </a:r>
+          </a:p>
+          <a:p>
+            <a:pPr lvl="1"/>
+            <a:endParaRPr lang="en-US" dirty="0"/>
+          </a:p>
+          <a:p>
+            <a:endParaRPr lang="en-US" dirty="0"/>
+          </a:p>
+          <a:p>
+            <a:endParaRPr lang="en-US" dirty="0"/>
+          </a:p>
+        </p:txBody>
+      </p:sp>
+      <p:sp>
+        <p:nvSpPr>
+          <p:cNvPr id="6" name="TextBox 5">
+            <a:extLst>
+              <a:ext uri="{FF2B5EF4-FFF2-40B4-BE49-F238E27FC236}">
+                <a16:creationId xmlns:a16="http://schemas.microsoft.com/office/drawing/2014/main" id="{32A3B87A-BBC0-704B-AC99-3984206450D5}"/>
+              </a:ext>
+            </a:extLst>
+          </p:cNvPr>
+          <p:cNvSpPr txBox="1"/>
+          <p:nvPr/>
+        </p:nvSpPr>
+        <p:spPr>
+          <a:xfrm>
+            <a:off x="9744412" y="2150737"/>
+            <a:ext cx="3892958" cy="2417650"/>
+          </a:xfrm>
+          <a:prstGeom prst="rect">
+            <a:avLst/>
+          </a:prstGeom>
+          <a:noFill/>
+        </p:spPr>
+        <p:txBody>
+          <a:bodyPr wrap="square" rtlCol="0">
+            <a:spAutoFit/>
+          </a:bodyPr>
+          <a:lstStyle/>
+          <a:p>
+            <a:r>
+              <a:rPr lang="en-US" sz="3022" dirty="0" err="1"/>
+              <a:t>Todo</a:t>
+            </a:r>
+            <a:r>
+              <a:rPr lang="en-US" sz="3022" dirty="0"/>
+              <a:t>:</a:t>
+            </a:r>
+          </a:p>
+          <a:p>
+            <a:r>
+              <a:rPr lang="en-US" sz="3022" dirty="0"/>
+              <a:t>Start labs right away</a:t>
+            </a:r>
+          </a:p>
+          <a:p>
+            <a:endParaRPr lang="en-US" sz="3022" dirty="0"/>
+          </a:p>
+          <a:p>
+            <a:endParaRPr lang="en-US" sz="3022" dirty="0"/>
+          </a:p>
+          <a:p>
+            <a:endParaRPr lang="en-US" sz="3022" dirty="0"/>
+          </a:p>
+        </p:txBody>
+      </p:sp>
+      <p:sp>
+        <p:nvSpPr>
+          <p:cNvPr id="3" name="TextBox 2">
+            <a:extLst>
+              <a:ext uri="{FF2B5EF4-FFF2-40B4-BE49-F238E27FC236}">
+                <a16:creationId xmlns:a16="http://schemas.microsoft.com/office/drawing/2014/main" id="{219403AF-FCA0-4FAD-B2CD-E3D24CF8DD27}"/>
+              </a:ext>
+            </a:extLst>
+          </p:cNvPr>
+          <p:cNvSpPr txBox="1"/>
+          <p:nvPr/>
+        </p:nvSpPr>
+        <p:spPr>
+          <a:xfrm>
+            <a:off x="628075" y="6148934"/>
+            <a:ext cx="10580915" cy="1015663"/>
+          </a:xfrm>
+          <a:prstGeom prst="rect">
+            <a:avLst/>
+          </a:prstGeom>
+          <a:noFill/>
+        </p:spPr>
+        <p:txBody>
+          <a:bodyPr wrap="square" rtlCol="0">
+            <a:spAutoFit/>
+          </a:bodyPr>
+          <a:lstStyle/>
+          <a:p>
+            <a:r>
+              <a:rPr lang="en-US" dirty="0"/>
+              <a:t>CS 164 – Next Course In Sequence, also consider CS 220 (math and stats especially) </a:t>
+            </a:r>
+          </a:p>
+          <a:p>
+            <a:r>
+              <a:rPr lang="en-US" dirty="0"/>
+              <a:t>CO Jobs Report 2021 – 77% of *all* new jobs in Colorado require programming</a:t>
+            </a:r>
+          </a:p>
+          <a:p>
+            <a:r>
+              <a:rPr lang="en-US" dirty="0"/>
+              <a:t>60% of all STEM jobs requires *advanced* (200-300 level) </a:t>
+            </a:r>
+          </a:p>
+        </p:txBody>
+      </p:sp>
+      <p:sp>
+        <p:nvSpPr>
+          <p:cNvPr id="7" name="TextBox 6">
+            <a:extLst>
+              <a:ext uri="{FF2B5EF4-FFF2-40B4-BE49-F238E27FC236}">
+                <a16:creationId xmlns:a16="http://schemas.microsoft.com/office/drawing/2014/main" id="{BF16D510-BC74-4FA5-AFD2-193B039115A5}"/>
+              </a:ext>
+            </a:extLst>
+          </p:cNvPr>
+          <p:cNvSpPr txBox="1"/>
+          <p:nvPr/>
+        </p:nvSpPr>
+        <p:spPr>
+          <a:xfrm>
+            <a:off x="7228114" y="362857"/>
+            <a:ext cx="6125029" cy="707886"/>
+          </a:xfrm>
+          <a:prstGeom prst="rect">
+            <a:avLst/>
+          </a:prstGeom>
+          <a:solidFill>
+            <a:schemeClr val="accent2"/>
+          </a:solidFill>
+        </p:spPr>
+        <p:txBody>
+          <a:bodyPr wrap="square" rtlCol="0">
+            <a:spAutoFit/>
+          </a:bodyPr>
+          <a:lstStyle/>
+          <a:p>
+            <a:r>
+              <a:rPr lang="en-US" b="1" dirty="0"/>
+              <a:t>Opening Question: </a:t>
+            </a:r>
+          </a:p>
+          <a:p>
+            <a:r>
+              <a:rPr lang="en-US" dirty="0"/>
+              <a:t>What is your favorite thing to do online?</a:t>
+            </a:r>
+          </a:p>
+        </p:txBody>
+      </p:sp>
+    </p:spTree>
+    <p:extLst>
+      <p:ext uri="{BB962C8B-B14F-4D97-AF65-F5344CB8AC3E}">
+        <p14:creationId xmlns:p14="http://schemas.microsoft.com/office/powerpoint/2010/main" val="926474781"/>
+      </p:ext>
+    </p:extLst>
+  </p:cSld>
+  <p:clrMapOvr>
+    <a:masterClrMapping/>
+  </p:clrMapOvr>
+  <p:transition>
+    <p:fade/>
+  </p:transition>
+</p:sld>
+</file>
+
+<file path=ppt/slides/slide3.xml><?xml version="1.0" encoding="utf-8"?>
 <p:sld xmlns:a="http://schemas.openxmlformats.org/drawingml/2006/main" xmlns:r="http://schemas.openxmlformats.org/officeDocument/2006/relationships" xmlns:p="http://schemas.openxmlformats.org/presentationml/2006/main">
   <p:cSld>
     <p:spTree>
@@ -8381,7 +9348,7 @@
 </p:sld>
 </file>
 
-<file path=ppt/slides/slide3.xml><?xml version="1.0" encoding="utf-8"?>
+<file path=ppt/slides/slide4.xml><?xml version="1.0" encoding="utf-8"?>
 <p:sld xmlns:a="http://schemas.openxmlformats.org/drawingml/2006/main" xmlns:r="http://schemas.openxmlformats.org/officeDocument/2006/relationships" xmlns:p="http://schemas.openxmlformats.org/presentationml/2006/main">
   <p:cSld>
     <p:spTree>
@@ -8607,7 +9574,7 @@
 </p:sld>
 </file>
 
-<file path=ppt/slides/slide4.xml><?xml version="1.0" encoding="utf-8"?>
+<file path=ppt/slides/slide5.xml><?xml version="1.0" encoding="utf-8"?>
 <p:sld xmlns:a="http://schemas.openxmlformats.org/drawingml/2006/main" xmlns:r="http://schemas.openxmlformats.org/officeDocument/2006/relationships" xmlns:p="http://schemas.openxmlformats.org/presentationml/2006/main">
   <p:cSld>
     <p:spTree>
@@ -9343,7 +10310,7 @@
 </p:sld>
 </file>
 
-<file path=ppt/slides/slide5.xml><?xml version="1.0" encoding="utf-8"?>
+<file path=ppt/slides/slide6.xml><?xml version="1.0" encoding="utf-8"?>
 <p:sld xmlns:a="http://schemas.openxmlformats.org/drawingml/2006/main" xmlns:r="http://schemas.openxmlformats.org/officeDocument/2006/relationships" xmlns:p="http://schemas.openxmlformats.org/presentationml/2006/main">
   <p:cSld>
     <p:spTree>
@@ -9577,7 +10544,7 @@
 </p:sld>
 </file>
 
-<file path=ppt/slides/slide6.xml><?xml version="1.0" encoding="utf-8"?>
+<file path=ppt/slides/slide7.xml><?xml version="1.0" encoding="utf-8"?>
 <p:sld xmlns:a="http://schemas.openxmlformats.org/drawingml/2006/main" xmlns:r="http://schemas.openxmlformats.org/officeDocument/2006/relationships" xmlns:p="http://schemas.openxmlformats.org/presentationml/2006/main">
   <p:cSld>
     <p:spTree>
@@ -9812,7 +10779,7 @@
 </p:sld>
 </file>
 
-<file path=ppt/slides/slide7.xml><?xml version="1.0" encoding="utf-8"?>
+<file path=ppt/slides/slide8.xml><?xml version="1.0" encoding="utf-8"?>
 <p:sld xmlns:a="http://schemas.openxmlformats.org/drawingml/2006/main" xmlns:r="http://schemas.openxmlformats.org/officeDocument/2006/relationships" xmlns:p="http://schemas.openxmlformats.org/presentationml/2006/main">
   <p:cSld>
     <p:spTree>
@@ -10757,7 +11724,7 @@
 </p:sld>
 </file>
 
-<file path=ppt/slides/slide8.xml><?xml version="1.0" encoding="utf-8"?>
+<file path=ppt/slides/slide9.xml><?xml version="1.0" encoding="utf-8"?>
 <p:sld xmlns:a="http://schemas.openxmlformats.org/drawingml/2006/main" xmlns:r="http://schemas.openxmlformats.org/officeDocument/2006/relationships" xmlns:p="http://schemas.openxmlformats.org/presentationml/2006/main">
   <p:cSld>
     <p:spTree>
@@ -11620,661 +12587,6 @@
       <p:bldP spid="11" grpId="0" uiExpand="1" build="p"/>
     </p:bldLst>
   </p:timing>
-</p:sld>
-</file>
-
-<file path=ppt/slides/slide9.xml><?xml version="1.0" encoding="utf-8"?>
-<p:sld xmlns:a="http://schemas.openxmlformats.org/drawingml/2006/main" xmlns:r="http://schemas.openxmlformats.org/officeDocument/2006/relationships" xmlns:p="http://schemas.openxmlformats.org/presentationml/2006/main">
-  <p:cSld>
-    <p:spTree>
-      <p:nvGrpSpPr>
-        <p:cNvPr id="1" name=""/>
-        <p:cNvGrpSpPr/>
-        <p:nvPr/>
-      </p:nvGrpSpPr>
-      <p:grpSpPr>
-        <a:xfrm>
-          <a:off x="0" y="0"/>
-          <a:ext cx="0" cy="0"/>
-          <a:chOff x="0" y="0"/>
-          <a:chExt cx="0" cy="0"/>
-        </a:xfrm>
-      </p:grpSpPr>
-      <p:sp>
-        <p:nvSpPr>
-          <p:cNvPr id="2" name="Title 1">
-            <a:extLst>
-              <a:ext uri="{FF2B5EF4-FFF2-40B4-BE49-F238E27FC236}">
-                <a16:creationId xmlns:a16="http://schemas.microsoft.com/office/drawing/2014/main" id="{9B3FAC86-3CB9-304D-82BC-1A4F1D06B513}"/>
-              </a:ext>
-            </a:extLst>
-          </p:cNvPr>
-          <p:cNvSpPr>
-            <a:spLocks noGrp="1"/>
-          </p:cNvSpPr>
-          <p:nvPr>
-            <p:ph type="title"/>
-          </p:nvPr>
-        </p:nvSpPr>
-        <p:spPr/>
-        <p:txBody>
-          <a:bodyPr/>
-          <a:lstStyle/>
-          <a:p>
-            <a:r>
-              <a:rPr lang="en-US" dirty="0"/>
-              <a:t>Python Types?</a:t>
-            </a:r>
-          </a:p>
-        </p:txBody>
-      </p:sp>
-      <p:sp>
-        <p:nvSpPr>
-          <p:cNvPr id="3" name="Text Placeholder 2">
-            <a:extLst>
-              <a:ext uri="{FF2B5EF4-FFF2-40B4-BE49-F238E27FC236}">
-                <a16:creationId xmlns:a16="http://schemas.microsoft.com/office/drawing/2014/main" id="{DB96B928-2166-3146-9D7C-78A6DDA0C2ED}"/>
-              </a:ext>
-            </a:extLst>
-          </p:cNvPr>
-          <p:cNvSpPr>
-            <a:spLocks noGrp="1"/>
-          </p:cNvSpPr>
-          <p:nvPr>
-            <p:ph type="body" idx="1"/>
-          </p:nvPr>
-        </p:nvSpPr>
-        <p:spPr>
-          <a:xfrm>
-            <a:off x="628075" y="1766856"/>
-            <a:ext cx="7042725" cy="5446744"/>
-          </a:xfrm>
-        </p:spPr>
-        <p:txBody>
-          <a:bodyPr/>
-          <a:lstStyle/>
-          <a:p>
-            <a:r>
-              <a:rPr lang="en-US" dirty="0"/>
-              <a:t>numeric</a:t>
-            </a:r>
-          </a:p>
-          <a:p>
-            <a:pPr lvl="1"/>
-            <a:r>
-              <a:rPr lang="en-US" dirty="0"/>
-              <a:t>int</a:t>
-            </a:r>
-          </a:p>
-          <a:p>
-            <a:pPr lvl="2"/>
-            <a:r>
-              <a:rPr lang="en-US" dirty="0"/>
-              <a:t>You can change the ‘base’ with a second argument</a:t>
-            </a:r>
-          </a:p>
-          <a:p>
-            <a:pPr lvl="1"/>
-            <a:r>
-              <a:rPr lang="en-US" dirty="0"/>
-              <a:t>float</a:t>
-            </a:r>
-          </a:p>
-          <a:p>
-            <a:pPr lvl="1"/>
-            <a:r>
-              <a:rPr lang="en-US" dirty="0"/>
-              <a:t>bin </a:t>
-            </a:r>
-          </a:p>
-          <a:p>
-            <a:pPr lvl="2"/>
-            <a:r>
-              <a:rPr lang="en-US" dirty="0"/>
-              <a:t>not in the book, coverts number to binary</a:t>
-            </a:r>
-          </a:p>
-          <a:p>
-            <a:pPr lvl="2"/>
-            <a:r>
-              <a:rPr lang="en-US" dirty="0"/>
-              <a:t>also, you can set a value as binary by leading with 0b</a:t>
-            </a:r>
-          </a:p>
-          <a:p>
-            <a:r>
-              <a:rPr lang="en-US" dirty="0"/>
-              <a:t>sequential </a:t>
-            </a:r>
-          </a:p>
-          <a:p>
-            <a:pPr lvl="1"/>
-            <a:r>
-              <a:rPr lang="en-US" dirty="0"/>
-              <a:t>string</a:t>
-            </a:r>
-          </a:p>
-          <a:p>
-            <a:pPr lvl="1"/>
-            <a:r>
-              <a:rPr lang="en-US" dirty="0"/>
-              <a:t>list</a:t>
-            </a:r>
-          </a:p>
-          <a:p>
-            <a:pPr lvl="1"/>
-            <a:r>
-              <a:rPr lang="en-US" dirty="0"/>
-              <a:t>tuple</a:t>
-            </a:r>
-          </a:p>
-          <a:p>
-            <a:pPr lvl="1"/>
-            <a:r>
-              <a:rPr lang="en-US" dirty="0"/>
-              <a:t>set (list, with unique values only)</a:t>
-            </a:r>
-          </a:p>
-          <a:p>
-            <a:pPr lvl="1"/>
-            <a:r>
-              <a:rPr lang="en-US" dirty="0" err="1"/>
-              <a:t>dict</a:t>
-            </a:r>
-            <a:r>
-              <a:rPr lang="en-US" dirty="0"/>
-              <a:t> </a:t>
-            </a:r>
-          </a:p>
-          <a:p>
-            <a:pPr lvl="2"/>
-            <a:r>
-              <a:rPr lang="en-US" dirty="0"/>
-              <a:t>We will come back to </a:t>
-            </a:r>
-            <a:r>
-              <a:rPr lang="en-US" dirty="0" err="1"/>
-              <a:t>dict</a:t>
-            </a:r>
-            <a:r>
-              <a:rPr lang="en-US" dirty="0"/>
-              <a:t> - maps indices to names!</a:t>
-            </a:r>
-          </a:p>
-        </p:txBody>
-      </p:sp>
-      <p:sp>
-        <p:nvSpPr>
-          <p:cNvPr id="5" name="TextBox 4">
-            <a:extLst>
-              <a:ext uri="{FF2B5EF4-FFF2-40B4-BE49-F238E27FC236}">
-                <a16:creationId xmlns:a16="http://schemas.microsoft.com/office/drawing/2014/main" id="{4C80B60B-C9A8-464F-AC22-32C64D354A5D}"/>
-              </a:ext>
-            </a:extLst>
-          </p:cNvPr>
-          <p:cNvSpPr txBox="1"/>
-          <p:nvPr/>
-        </p:nvSpPr>
-        <p:spPr>
-          <a:xfrm>
-            <a:off x="8521699" y="1562100"/>
-            <a:ext cx="4394201" cy="2554545"/>
-          </a:xfrm>
-          <a:prstGeom prst="rect">
-            <a:avLst/>
-          </a:prstGeom>
-          <a:noFill/>
-        </p:spPr>
-        <p:txBody>
-          <a:bodyPr wrap="square">
-            <a:spAutoFit/>
-          </a:bodyPr>
-          <a:lstStyle/>
-          <a:p>
-            <a:r>
-              <a:rPr lang="en-US" dirty="0" err="1">
-                <a:latin typeface="Consolas" panose="020B0609020204030204" pitchFamily="49" charset="0"/>
-                <a:cs typeface="Consolas" panose="020B0609020204030204" pitchFamily="49" charset="0"/>
-              </a:rPr>
-              <a:t>val</a:t>
-            </a:r>
-            <a:r>
-              <a:rPr lang="en-US" dirty="0">
-                <a:latin typeface="Consolas" panose="020B0609020204030204" pitchFamily="49" charset="0"/>
-                <a:cs typeface="Consolas" panose="020B0609020204030204" pitchFamily="49" charset="0"/>
-              </a:rPr>
-              <a:t> = </a:t>
-            </a:r>
-            <a:r>
-              <a:rPr lang="en-US" dirty="0">
-                <a:solidFill>
-                  <a:srgbClr val="8888C6"/>
-                </a:solidFill>
-                <a:effectLst/>
-                <a:latin typeface="Consolas" panose="020B0609020204030204" pitchFamily="49" charset="0"/>
-                <a:cs typeface="Consolas" panose="020B0609020204030204" pitchFamily="49" charset="0"/>
-              </a:rPr>
-              <a:t>bin</a:t>
-            </a:r>
-            <a:r>
-              <a:rPr lang="en-US" dirty="0">
-                <a:latin typeface="Consolas" panose="020B0609020204030204" pitchFamily="49" charset="0"/>
-                <a:cs typeface="Consolas" panose="020B0609020204030204" pitchFamily="49" charset="0"/>
-              </a:rPr>
-              <a:t>(</a:t>
-            </a:r>
-            <a:r>
-              <a:rPr lang="en-US" dirty="0">
-                <a:solidFill>
-                  <a:srgbClr val="6897BB"/>
-                </a:solidFill>
-                <a:effectLst/>
-                <a:latin typeface="Consolas" panose="020B0609020204030204" pitchFamily="49" charset="0"/>
-                <a:cs typeface="Consolas" panose="020B0609020204030204" pitchFamily="49" charset="0"/>
-              </a:rPr>
-              <a:t>15</a:t>
-            </a:r>
-            <a:r>
-              <a:rPr lang="en-US" dirty="0">
-                <a:latin typeface="Consolas" panose="020B0609020204030204" pitchFamily="49" charset="0"/>
-                <a:cs typeface="Consolas" panose="020B0609020204030204" pitchFamily="49" charset="0"/>
-              </a:rPr>
-              <a:t>)</a:t>
-            </a:r>
-            <a:br>
-              <a:rPr lang="en-US" dirty="0">
-                <a:latin typeface="Consolas" panose="020B0609020204030204" pitchFamily="49" charset="0"/>
-                <a:cs typeface="Consolas" panose="020B0609020204030204" pitchFamily="49" charset="0"/>
-              </a:rPr>
-            </a:br>
-            <a:r>
-              <a:rPr lang="en-US" dirty="0">
-                <a:solidFill>
-                  <a:srgbClr val="8888C6"/>
-                </a:solidFill>
-                <a:effectLst/>
-                <a:latin typeface="Consolas" panose="020B0609020204030204" pitchFamily="49" charset="0"/>
-                <a:cs typeface="Consolas" panose="020B0609020204030204" pitchFamily="49" charset="0"/>
-              </a:rPr>
-              <a:t>print</a:t>
-            </a:r>
-            <a:r>
-              <a:rPr lang="en-US" dirty="0">
-                <a:latin typeface="Consolas" panose="020B0609020204030204" pitchFamily="49" charset="0"/>
-                <a:cs typeface="Consolas" panose="020B0609020204030204" pitchFamily="49" charset="0"/>
-              </a:rPr>
-              <a:t>(</a:t>
-            </a:r>
-            <a:r>
-              <a:rPr lang="en-US" dirty="0" err="1">
-                <a:latin typeface="Consolas" panose="020B0609020204030204" pitchFamily="49" charset="0"/>
-                <a:cs typeface="Consolas" panose="020B0609020204030204" pitchFamily="49" charset="0"/>
-              </a:rPr>
-              <a:t>val</a:t>
-            </a:r>
-            <a:r>
-              <a:rPr lang="en-US" dirty="0">
-                <a:latin typeface="Consolas" panose="020B0609020204030204" pitchFamily="49" charset="0"/>
-                <a:cs typeface="Consolas" panose="020B0609020204030204" pitchFamily="49" charset="0"/>
-              </a:rPr>
-              <a:t>) </a:t>
-            </a:r>
-            <a:r>
-              <a:rPr lang="en-US" dirty="0">
-                <a:solidFill>
-                  <a:srgbClr val="808080"/>
-                </a:solidFill>
-                <a:effectLst/>
-                <a:latin typeface="Consolas" panose="020B0609020204030204" pitchFamily="49" charset="0"/>
-                <a:cs typeface="Consolas" panose="020B0609020204030204" pitchFamily="49" charset="0"/>
-              </a:rPr>
-              <a:t># 0b1111</a:t>
-            </a:r>
-            <a:br>
-              <a:rPr lang="en-US" dirty="0">
-                <a:solidFill>
-                  <a:srgbClr val="808080"/>
-                </a:solidFill>
-                <a:effectLst/>
-                <a:latin typeface="Consolas" panose="020B0609020204030204" pitchFamily="49" charset="0"/>
-                <a:cs typeface="Consolas" panose="020B0609020204030204" pitchFamily="49" charset="0"/>
-              </a:rPr>
-            </a:br>
-            <a:r>
-              <a:rPr lang="en-US" dirty="0" err="1">
-                <a:latin typeface="Consolas" panose="020B0609020204030204" pitchFamily="49" charset="0"/>
-                <a:cs typeface="Consolas" panose="020B0609020204030204" pitchFamily="49" charset="0"/>
-              </a:rPr>
-              <a:t>val</a:t>
-            </a:r>
-            <a:r>
-              <a:rPr lang="en-US" dirty="0">
-                <a:latin typeface="Consolas" panose="020B0609020204030204" pitchFamily="49" charset="0"/>
-                <a:cs typeface="Consolas" panose="020B0609020204030204" pitchFamily="49" charset="0"/>
-              </a:rPr>
-              <a:t> = </a:t>
-            </a:r>
-            <a:r>
-              <a:rPr lang="en-US" dirty="0">
-                <a:solidFill>
-                  <a:srgbClr val="8888C6"/>
-                </a:solidFill>
-                <a:effectLst/>
-                <a:latin typeface="Consolas" panose="020B0609020204030204" pitchFamily="49" charset="0"/>
-                <a:cs typeface="Consolas" panose="020B0609020204030204" pitchFamily="49" charset="0"/>
-              </a:rPr>
-              <a:t>bin</a:t>
-            </a:r>
-            <a:r>
-              <a:rPr lang="en-US" dirty="0">
-                <a:latin typeface="Consolas" panose="020B0609020204030204" pitchFamily="49" charset="0"/>
-                <a:cs typeface="Consolas" panose="020B0609020204030204" pitchFamily="49" charset="0"/>
-              </a:rPr>
-              <a:t>(</a:t>
-            </a:r>
-            <a:r>
-              <a:rPr lang="en-US" dirty="0">
-                <a:solidFill>
-                  <a:srgbClr val="6897BB"/>
-                </a:solidFill>
-                <a:effectLst/>
-                <a:latin typeface="Consolas" panose="020B0609020204030204" pitchFamily="49" charset="0"/>
-                <a:cs typeface="Consolas" panose="020B0609020204030204" pitchFamily="49" charset="0"/>
-              </a:rPr>
-              <a:t>136</a:t>
-            </a:r>
-            <a:r>
-              <a:rPr lang="en-US" dirty="0">
-                <a:latin typeface="Consolas" panose="020B0609020204030204" pitchFamily="49" charset="0"/>
-                <a:cs typeface="Consolas" panose="020B0609020204030204" pitchFamily="49" charset="0"/>
-              </a:rPr>
-              <a:t>)</a:t>
-            </a:r>
-            <a:br>
-              <a:rPr lang="en-US" dirty="0">
-                <a:latin typeface="Consolas" panose="020B0609020204030204" pitchFamily="49" charset="0"/>
-                <a:cs typeface="Consolas" panose="020B0609020204030204" pitchFamily="49" charset="0"/>
-              </a:rPr>
-            </a:br>
-            <a:r>
-              <a:rPr lang="en-US" dirty="0">
-                <a:solidFill>
-                  <a:srgbClr val="8888C6"/>
-                </a:solidFill>
-                <a:effectLst/>
-                <a:latin typeface="Consolas" panose="020B0609020204030204" pitchFamily="49" charset="0"/>
-                <a:cs typeface="Consolas" panose="020B0609020204030204" pitchFamily="49" charset="0"/>
-              </a:rPr>
-              <a:t>print</a:t>
-            </a:r>
-            <a:r>
-              <a:rPr lang="en-US" dirty="0">
-                <a:latin typeface="Consolas" panose="020B0609020204030204" pitchFamily="49" charset="0"/>
-                <a:cs typeface="Consolas" panose="020B0609020204030204" pitchFamily="49" charset="0"/>
-              </a:rPr>
-              <a:t>(</a:t>
-            </a:r>
-            <a:r>
-              <a:rPr lang="en-US" dirty="0" err="1">
-                <a:latin typeface="Consolas" panose="020B0609020204030204" pitchFamily="49" charset="0"/>
-                <a:cs typeface="Consolas" panose="020B0609020204030204" pitchFamily="49" charset="0"/>
-              </a:rPr>
-              <a:t>val</a:t>
-            </a:r>
-            <a:r>
-              <a:rPr lang="en-US" dirty="0">
-                <a:latin typeface="Consolas" panose="020B0609020204030204" pitchFamily="49" charset="0"/>
-                <a:cs typeface="Consolas" panose="020B0609020204030204" pitchFamily="49" charset="0"/>
-              </a:rPr>
-              <a:t>) </a:t>
-            </a:r>
-            <a:r>
-              <a:rPr lang="en-US" dirty="0">
-                <a:solidFill>
-                  <a:srgbClr val="808080"/>
-                </a:solidFill>
-                <a:effectLst/>
-                <a:latin typeface="Consolas" panose="020B0609020204030204" pitchFamily="49" charset="0"/>
-                <a:cs typeface="Consolas" panose="020B0609020204030204" pitchFamily="49" charset="0"/>
-              </a:rPr>
-              <a:t># 0b10001000</a:t>
-            </a:r>
-          </a:p>
-          <a:p>
-            <a:r>
-              <a:rPr lang="en-US" dirty="0">
-                <a:solidFill>
-                  <a:srgbClr val="8888C6"/>
-                </a:solidFill>
-                <a:latin typeface="Consolas" panose="020B0609020204030204" pitchFamily="49" charset="0"/>
-                <a:cs typeface="Consolas" panose="020B0609020204030204" pitchFamily="49" charset="0"/>
-              </a:rPr>
-              <a:t>print</a:t>
-            </a:r>
-            <a:r>
-              <a:rPr lang="en-US" dirty="0">
-                <a:latin typeface="Consolas" panose="020B0609020204030204" pitchFamily="49" charset="0"/>
-                <a:cs typeface="Consolas" panose="020B0609020204030204" pitchFamily="49" charset="0"/>
-              </a:rPr>
-              <a:t>(</a:t>
-            </a:r>
-            <a:r>
-              <a:rPr lang="en-US" dirty="0" err="1">
-                <a:latin typeface="Consolas" panose="020B0609020204030204" pitchFamily="49" charset="0"/>
-                <a:cs typeface="Consolas" panose="020B0609020204030204" pitchFamily="49" charset="0"/>
-              </a:rPr>
-              <a:t>val</a:t>
-            </a:r>
-            <a:r>
-              <a:rPr lang="en-US" dirty="0">
-                <a:latin typeface="Consolas" panose="020B0609020204030204" pitchFamily="49" charset="0"/>
-                <a:cs typeface="Consolas" panose="020B0609020204030204" pitchFamily="49" charset="0"/>
-              </a:rPr>
-              <a:t>[2:]) </a:t>
-            </a:r>
-            <a:r>
-              <a:rPr lang="en-US" dirty="0">
-                <a:solidFill>
-                  <a:srgbClr val="808080"/>
-                </a:solidFill>
-                <a:latin typeface="Consolas" panose="020B0609020204030204" pitchFamily="49" charset="0"/>
-                <a:cs typeface="Consolas" panose="020B0609020204030204" pitchFamily="49" charset="0"/>
-              </a:rPr>
-              <a:t># 10001000</a:t>
-            </a:r>
-          </a:p>
-          <a:p>
-            <a:r>
-              <a:rPr lang="en-US" dirty="0">
-                <a:solidFill>
-                  <a:srgbClr val="8888C6"/>
-                </a:solidFill>
-                <a:latin typeface="Consolas" panose="020B0609020204030204" pitchFamily="49" charset="0"/>
-                <a:cs typeface="Consolas" panose="020B0609020204030204" pitchFamily="49" charset="0"/>
-              </a:rPr>
-              <a:t>print</a:t>
-            </a:r>
-            <a:r>
-              <a:rPr lang="en-US" dirty="0">
-                <a:latin typeface="Consolas" panose="020B0609020204030204" pitchFamily="49" charset="0"/>
-                <a:cs typeface="Consolas" panose="020B0609020204030204" pitchFamily="49" charset="0"/>
-              </a:rPr>
-              <a:t>(</a:t>
-            </a:r>
-            <a:r>
-              <a:rPr lang="en-US" dirty="0">
-                <a:solidFill>
-                  <a:srgbClr val="8888C6"/>
-                </a:solidFill>
-                <a:latin typeface="Consolas" panose="020B0609020204030204" pitchFamily="49" charset="0"/>
-                <a:cs typeface="Consolas" panose="020B0609020204030204" pitchFamily="49" charset="0"/>
-              </a:rPr>
-              <a:t>int</a:t>
-            </a:r>
-            <a:r>
-              <a:rPr lang="en-US" dirty="0">
-                <a:latin typeface="Consolas" panose="020B0609020204030204" pitchFamily="49" charset="0"/>
-                <a:cs typeface="Consolas" panose="020B0609020204030204" pitchFamily="49" charset="0"/>
-              </a:rPr>
-              <a:t>(</a:t>
-            </a:r>
-            <a:r>
-              <a:rPr lang="en-US" dirty="0" err="1">
-                <a:latin typeface="Consolas" panose="020B0609020204030204" pitchFamily="49" charset="0"/>
-                <a:cs typeface="Consolas" panose="020B0609020204030204" pitchFamily="49" charset="0"/>
-              </a:rPr>
-              <a:t>val</a:t>
-            </a:r>
-            <a:r>
-              <a:rPr lang="en-US" dirty="0">
-                <a:solidFill>
-                  <a:srgbClr val="CC7832"/>
-                </a:solidFill>
-                <a:latin typeface="Consolas" panose="020B0609020204030204" pitchFamily="49" charset="0"/>
-                <a:cs typeface="Consolas" panose="020B0609020204030204" pitchFamily="49" charset="0"/>
-              </a:rPr>
-              <a:t>, </a:t>
-            </a:r>
-            <a:r>
-              <a:rPr lang="en-US" dirty="0">
-                <a:solidFill>
-                  <a:srgbClr val="6897BB"/>
-                </a:solidFill>
-                <a:latin typeface="Consolas" panose="020B0609020204030204" pitchFamily="49" charset="0"/>
-                <a:cs typeface="Consolas" panose="020B0609020204030204" pitchFamily="49" charset="0"/>
-              </a:rPr>
-              <a:t>2</a:t>
-            </a:r>
-            <a:r>
-              <a:rPr lang="en-US" dirty="0">
-                <a:latin typeface="Consolas" panose="020B0609020204030204" pitchFamily="49" charset="0"/>
-                <a:cs typeface="Consolas" panose="020B0609020204030204" pitchFamily="49" charset="0"/>
-              </a:rPr>
-              <a:t>)) </a:t>
-            </a:r>
-            <a:r>
-              <a:rPr lang="en-US" dirty="0">
-                <a:solidFill>
-                  <a:srgbClr val="808080"/>
-                </a:solidFill>
-                <a:latin typeface="Consolas" panose="020B0609020204030204" pitchFamily="49" charset="0"/>
-                <a:cs typeface="Consolas" panose="020B0609020204030204" pitchFamily="49" charset="0"/>
-              </a:rPr>
-              <a:t># 135</a:t>
-            </a:r>
-          </a:p>
-          <a:p>
-            <a:r>
-              <a:rPr lang="en-US" dirty="0" err="1">
-                <a:latin typeface="Consolas" panose="020B0609020204030204" pitchFamily="49" charset="0"/>
-                <a:cs typeface="Consolas" panose="020B0609020204030204" pitchFamily="49" charset="0"/>
-              </a:rPr>
-              <a:t>val</a:t>
-            </a:r>
-            <a:r>
-              <a:rPr lang="en-US" dirty="0">
-                <a:latin typeface="Consolas" panose="020B0609020204030204" pitchFamily="49" charset="0"/>
-                <a:cs typeface="Consolas" panose="020B0609020204030204" pitchFamily="49" charset="0"/>
-              </a:rPr>
-              <a:t> = </a:t>
-            </a:r>
-            <a:r>
-              <a:rPr lang="en-US" dirty="0">
-                <a:solidFill>
-                  <a:srgbClr val="6897BB"/>
-                </a:solidFill>
-                <a:latin typeface="Consolas" panose="020B0609020204030204" pitchFamily="49" charset="0"/>
-                <a:cs typeface="Consolas" panose="020B0609020204030204" pitchFamily="49" charset="0"/>
-              </a:rPr>
-              <a:t>0b111</a:t>
-            </a:r>
-            <a:br>
-              <a:rPr lang="en-US" dirty="0">
-                <a:solidFill>
-                  <a:srgbClr val="6897BB"/>
-                </a:solidFill>
-                <a:latin typeface="Consolas" panose="020B0609020204030204" pitchFamily="49" charset="0"/>
-                <a:cs typeface="Consolas" panose="020B0609020204030204" pitchFamily="49" charset="0"/>
-              </a:rPr>
-            </a:br>
-            <a:r>
-              <a:rPr lang="en-US" dirty="0">
-                <a:solidFill>
-                  <a:srgbClr val="8888C6"/>
-                </a:solidFill>
-                <a:latin typeface="Consolas" panose="020B0609020204030204" pitchFamily="49" charset="0"/>
-                <a:cs typeface="Consolas" panose="020B0609020204030204" pitchFamily="49" charset="0"/>
-              </a:rPr>
-              <a:t>print</a:t>
-            </a:r>
-            <a:r>
-              <a:rPr lang="en-US" dirty="0">
-                <a:latin typeface="Consolas" panose="020B0609020204030204" pitchFamily="49" charset="0"/>
-                <a:cs typeface="Consolas" panose="020B0609020204030204" pitchFamily="49" charset="0"/>
-              </a:rPr>
-              <a:t>(</a:t>
-            </a:r>
-            <a:r>
-              <a:rPr lang="en-US" dirty="0">
-                <a:solidFill>
-                  <a:srgbClr val="8888C6"/>
-                </a:solidFill>
-                <a:latin typeface="Consolas" panose="020B0609020204030204" pitchFamily="49" charset="0"/>
-                <a:cs typeface="Consolas" panose="020B0609020204030204" pitchFamily="49" charset="0"/>
-              </a:rPr>
-              <a:t>int</a:t>
-            </a:r>
-            <a:r>
-              <a:rPr lang="en-US" dirty="0">
-                <a:latin typeface="Consolas" panose="020B0609020204030204" pitchFamily="49" charset="0"/>
-                <a:cs typeface="Consolas" panose="020B0609020204030204" pitchFamily="49" charset="0"/>
-              </a:rPr>
-              <a:t>(</a:t>
-            </a:r>
-            <a:r>
-              <a:rPr lang="en-US" dirty="0" err="1">
-                <a:latin typeface="Consolas" panose="020B0609020204030204" pitchFamily="49" charset="0"/>
-                <a:cs typeface="Consolas" panose="020B0609020204030204" pitchFamily="49" charset="0"/>
-              </a:rPr>
-              <a:t>val</a:t>
-            </a:r>
-            <a:r>
-              <a:rPr lang="en-US" dirty="0">
-                <a:latin typeface="Consolas" panose="020B0609020204030204" pitchFamily="49" charset="0"/>
-                <a:cs typeface="Consolas" panose="020B0609020204030204" pitchFamily="49" charset="0"/>
-              </a:rPr>
-              <a:t>)) </a:t>
-            </a:r>
-            <a:r>
-              <a:rPr lang="en-US" dirty="0">
-                <a:solidFill>
-                  <a:srgbClr val="808080"/>
-                </a:solidFill>
-                <a:latin typeface="Consolas" panose="020B0609020204030204" pitchFamily="49" charset="0"/>
-                <a:cs typeface="Consolas" panose="020B0609020204030204" pitchFamily="49" charset="0"/>
-              </a:rPr>
-              <a:t># 7</a:t>
-            </a:r>
-            <a:endParaRPr lang="en-US" dirty="0">
-              <a:latin typeface="Consolas" panose="020B0609020204030204" pitchFamily="49" charset="0"/>
-              <a:cs typeface="Consolas" panose="020B0609020204030204" pitchFamily="49" charset="0"/>
-            </a:endParaRPr>
-          </a:p>
-        </p:txBody>
-      </p:sp>
-    </p:spTree>
-    <p:extLst>
-      <p:ext uri="{BB962C8B-B14F-4D97-AF65-F5344CB8AC3E}">
-        <p14:creationId xmlns:p14="http://schemas.microsoft.com/office/powerpoint/2010/main" val="2471670885"/>
-      </p:ext>
-    </p:extLst>
-  </p:cSld>
-  <p:clrMapOvr>
-    <a:masterClrMapping/>
-  </p:clrMapOvr>
-  <p:transition>
-    <p:fade/>
-  </p:transition>
 </p:sld>
 </file>
 

--- a/Slides/On-Campus/09_01_1and0AddUp.pptx
+++ b/Slides/On-Campus/09_01_1and0AddUp.pptx
@@ -5,10 +5,10 @@
     <p:sldMasterId id="2147483648" r:id="rId1"/>
   </p:sldMasterIdLst>
   <p:notesMasterIdLst>
-    <p:notesMasterId r:id="rId12"/>
+    <p:notesMasterId r:id="rId13"/>
   </p:notesMasterIdLst>
   <p:handoutMasterIdLst>
-    <p:handoutMasterId r:id="rId13"/>
+    <p:handoutMasterId r:id="rId14"/>
   </p:handoutMasterIdLst>
   <p:sldIdLst>
     <p:sldId id="256" r:id="rId2"/>
@@ -21,6 +21,7 @@
     <p:sldId id="260" r:id="rId9"/>
     <p:sldId id="261" r:id="rId10"/>
     <p:sldId id="262" r:id="rId11"/>
+    <p:sldId id="275" r:id="rId12"/>
   </p:sldIdLst>
   <p:sldSz cx="13817600" cy="7772400"/>
   <p:notesSz cx="6858000" cy="9144000"/>
@@ -7893,7 +7894,7 @@
         <p:spPr>
           <a:xfrm>
             <a:off x="628075" y="1766856"/>
-            <a:ext cx="7042725" cy="5446744"/>
+            <a:ext cx="7485411" cy="5446744"/>
           </a:xfrm>
         </p:spPr>
         <p:txBody>
@@ -8472,6 +8473,122 @@
     <p:extLst>
       <p:ext uri="{BB962C8B-B14F-4D97-AF65-F5344CB8AC3E}">
         <p14:creationId xmlns:p14="http://schemas.microsoft.com/office/powerpoint/2010/main" val="2471670885"/>
+      </p:ext>
+    </p:extLst>
+  </p:cSld>
+  <p:clrMapOvr>
+    <a:masterClrMapping/>
+  </p:clrMapOvr>
+  <p:transition>
+    <p:fade/>
+  </p:transition>
+</p:sld>
+</file>
+
+<file path=ppt/slides/slide11.xml><?xml version="1.0" encoding="utf-8"?>
+<p:sld xmlns:a="http://schemas.openxmlformats.org/drawingml/2006/main" xmlns:r="http://schemas.openxmlformats.org/officeDocument/2006/relationships" xmlns:p="http://schemas.openxmlformats.org/presentationml/2006/main">
+  <p:cSld>
+    <p:spTree>
+      <p:nvGrpSpPr>
+        <p:cNvPr id="1" name=""/>
+        <p:cNvGrpSpPr/>
+        <p:nvPr/>
+      </p:nvGrpSpPr>
+      <p:grpSpPr>
+        <a:xfrm>
+          <a:off x="0" y="0"/>
+          <a:ext cx="0" cy="0"/>
+          <a:chOff x="0" y="0"/>
+          <a:chExt cx="0" cy="0"/>
+        </a:xfrm>
+      </p:grpSpPr>
+      <p:sp>
+        <p:nvSpPr>
+          <p:cNvPr id="2" name="Title 1">
+            <a:extLst>
+              <a:ext uri="{FF2B5EF4-FFF2-40B4-BE49-F238E27FC236}">
+                <a16:creationId xmlns:a16="http://schemas.microsoft.com/office/drawing/2014/main" id="{26A89E78-11AC-4620-9823-6373F0AFF089}"/>
+              </a:ext>
+            </a:extLst>
+          </p:cNvPr>
+          <p:cNvSpPr>
+            <a:spLocks noGrp="1"/>
+          </p:cNvSpPr>
+          <p:nvPr>
+            <p:ph type="title"/>
+          </p:nvPr>
+        </p:nvSpPr>
+        <p:spPr/>
+        <p:txBody>
+          <a:bodyPr/>
+          <a:lstStyle/>
+          <a:p>
+            <a:r>
+              <a:rPr lang="en-US" dirty="0"/>
+              <a:t>Coding Practice</a:t>
+            </a:r>
+          </a:p>
+        </p:txBody>
+      </p:sp>
+      <p:sp>
+        <p:nvSpPr>
+          <p:cNvPr id="3" name="Text Placeholder 2">
+            <a:extLst>
+              <a:ext uri="{FF2B5EF4-FFF2-40B4-BE49-F238E27FC236}">
+                <a16:creationId xmlns:a16="http://schemas.microsoft.com/office/drawing/2014/main" id="{785DCA79-164C-45F5-B1D6-2A1462F07077}"/>
+              </a:ext>
+            </a:extLst>
+          </p:cNvPr>
+          <p:cNvSpPr>
+            <a:spLocks noGrp="1"/>
+          </p:cNvSpPr>
+          <p:nvPr>
+            <p:ph type="body" idx="1"/>
+          </p:nvPr>
+        </p:nvSpPr>
+        <p:spPr/>
+        <p:txBody>
+          <a:bodyPr/>
+          <a:lstStyle/>
+          <a:p>
+            <a:r>
+              <a:rPr lang="en-US" dirty="0"/>
+              <a:t>First – Create a list with four numbers. Have the numbers be anywhere between 0 to 255 (your choice, just add them by default)</a:t>
+            </a:r>
+          </a:p>
+          <a:p>
+            <a:r>
+              <a:rPr lang="en-US" dirty="0"/>
+              <a:t>Second – create a second list.</a:t>
+            </a:r>
+          </a:p>
+          <a:p>
+            <a:pPr lvl="1"/>
+            <a:r>
+              <a:rPr lang="en-US" dirty="0"/>
+              <a:t>Convert each number in the first list to binary (bin(</a:t>
+            </a:r>
+            <a:r>
+              <a:rPr lang="en-US" dirty="0" err="1"/>
+              <a:t>val</a:t>
+            </a:r>
+            <a:r>
+              <a:rPr lang="en-US" dirty="0"/>
+              <a:t>) ) – and add it to the second list.</a:t>
+            </a:r>
+          </a:p>
+          <a:p>
+            <a:r>
+              <a:rPr lang="en-US" dirty="0"/>
+              <a:t>Third - Print out the new list</a:t>
+            </a:r>
+          </a:p>
+        </p:txBody>
+      </p:sp>
+    </p:spTree>
+    <p:extLst>
+      <p:ext uri="{BB962C8B-B14F-4D97-AF65-F5344CB8AC3E}">
+        <p14:creationId xmlns:p14="http://schemas.microsoft.com/office/powerpoint/2010/main" val="230612482"/>
       </p:ext>
     </p:extLst>
   </p:cSld>
@@ -8616,11 +8733,7 @@
             <a:pPr lvl="1"/>
             <a:r>
               <a:rPr lang="en-US" dirty="0"/>
-              <a:t>Hope this reminds you to keep coming </a:t>
-            </a:r>
-            <a:r>
-              <a:rPr lang="en-US"/>
-              <a:t>to class and keeping up! </a:t>
+              <a:t>Hope this reminds you to keep coming to class and keeping up! </a:t>
             </a:r>
           </a:p>
           <a:p>
@@ -9660,7 +9773,7 @@
                 </a:solidFill>
                 <a:hlinkClick r:id="rId3"/>
               </a:rPr>
-              <a:t>http://www.cs.colostate.edu/~cs150b</a:t>
+              <a:t>http://www.cs.colostate.edu/~cs150</a:t>
             </a:r>
             <a:r>
               <a:rPr lang="en" u="sng" dirty="0">
